--- a/m2/ppt/2.pptx
+++ b/m2/ppt/2.pptx
@@ -21985,7 +21985,7 @@
 </file>
 
 <file path=ppt/slides/slide5.xml><?xml version="1.0" encoding="utf-8"?>
-<p:sld xmlns:a="http://schemas.openxmlformats.org/drawingml/2006/main" xmlns:r="http://schemas.openxmlformats.org/officeDocument/2006/relationships" xmlns:p="http://schemas.openxmlformats.org/presentationml/2006/main">
+<p:sld xmlns:a="http://schemas.openxmlformats.org/drawingml/2006/main" xmlns:r="http://schemas.openxmlformats.org/officeDocument/2006/relationships" xmlns:p="http://schemas.openxmlformats.org/presentationml/2006/main" showMasterSp="0">
   <p:cSld>
     <p:spTree>
       <p:nvGrpSpPr>
@@ -22095,7 +22095,7 @@
 </file>
 
 <file path=ppt/slides/slide6.xml><?xml version="1.0" encoding="utf-8"?>
-<p:sld xmlns:a="http://schemas.openxmlformats.org/drawingml/2006/main" xmlns:r="http://schemas.openxmlformats.org/officeDocument/2006/relationships" xmlns:p="http://schemas.openxmlformats.org/presentationml/2006/main">
+<p:sld xmlns:a="http://schemas.openxmlformats.org/drawingml/2006/main" xmlns:r="http://schemas.openxmlformats.org/officeDocument/2006/relationships" xmlns:p="http://schemas.openxmlformats.org/presentationml/2006/main" showMasterSp="0">
   <p:cSld>
     <p:spTree>
       <p:nvGrpSpPr>

--- a/m2/ppt/2.pptx
+++ b/m2/ppt/2.pptx
@@ -7,19 +7,26 @@
     <p:sldMasterId id="2147483859" r:id="rId3"/>
   </p:sldMasterIdLst>
   <p:notesMasterIdLst>
-    <p:notesMasterId r:id="rId11"/>
+    <p:notesMasterId r:id="rId18"/>
   </p:notesMasterIdLst>
   <p:handoutMasterIdLst>
-    <p:handoutMasterId r:id="rId12"/>
+    <p:handoutMasterId r:id="rId19"/>
   </p:handoutMasterIdLst>
   <p:sldIdLst>
     <p:sldId id="431" r:id="rId4"/>
     <p:sldId id="433" r:id="rId5"/>
-    <p:sldId id="434" r:id="rId6"/>
-    <p:sldId id="432" r:id="rId7"/>
-    <p:sldId id="429" r:id="rId8"/>
-    <p:sldId id="430" r:id="rId9"/>
-    <p:sldId id="363" r:id="rId10"/>
+    <p:sldId id="285" r:id="rId6"/>
+    <p:sldId id="292" r:id="rId7"/>
+    <p:sldId id="293" r:id="rId8"/>
+    <p:sldId id="294" r:id="rId9"/>
+    <p:sldId id="299" r:id="rId10"/>
+    <p:sldId id="290" r:id="rId11"/>
+    <p:sldId id="298" r:id="rId12"/>
+    <p:sldId id="432" r:id="rId13"/>
+    <p:sldId id="429" r:id="rId14"/>
+    <p:sldId id="430" r:id="rId15"/>
+    <p:sldId id="434" r:id="rId16"/>
+    <p:sldId id="363" r:id="rId17"/>
   </p:sldIdLst>
   <p:sldSz cx="12192000" cy="6858000"/>
   <p:notesSz cx="7099300" cy="10234613"/>
@@ -125,10 +132,17 @@
           <p14:sldIdLst>
             <p14:sldId id="431"/>
             <p14:sldId id="433"/>
-            <p14:sldId id="434"/>
+            <p14:sldId id="285"/>
+            <p14:sldId id="292"/>
+            <p14:sldId id="293"/>
+            <p14:sldId id="294"/>
+            <p14:sldId id="299"/>
+            <p14:sldId id="290"/>
+            <p14:sldId id="298"/>
             <p14:sldId id="432"/>
             <p14:sldId id="429"/>
             <p14:sldId id="430"/>
+            <p14:sldId id="434"/>
             <p14:sldId id="363"/>
           </p14:sldIdLst>
         </p14:section>
@@ -249,7 +263,7 @@
           <a:p>
             <a:fld id="{56D26834-5DB3-4451-BEB8-B76B7C0DCE76}" type="datetimeFigureOut">
               <a:rPr lang="ru-RU" smtClean="0"/>
-              <a:t>07.11.2024</a:t>
+              <a:t>11.11.2024</a:t>
             </a:fld>
             <a:endParaRPr lang="ru-RU"/>
           </a:p>
@@ -427,7 +441,7 @@
           <a:p>
             <a:fld id="{46072826-B294-4B60-AAC1-7EDD02A53457}" type="datetimeFigureOut">
               <a:rPr lang="ru-RU" smtClean="0"/>
-              <a:t>07.11.2024</a:t>
+              <a:t>11.11.2024</a:t>
             </a:fld>
             <a:endParaRPr lang="ru-RU"/>
           </a:p>
@@ -693,6 +707,366 @@
     </a:lvl9pPr>
   </p:notesStyle>
 </p:notesMaster>
+</file>
+
+<file path=ppt/notesSlides/notesSlide1.xml><?xml version="1.0" encoding="utf-8"?>
+<p:notes xmlns:a="http://schemas.openxmlformats.org/drawingml/2006/main" xmlns:r="http://schemas.openxmlformats.org/officeDocument/2006/relationships" xmlns:p="http://schemas.openxmlformats.org/presentationml/2006/main">
+  <p:cSld>
+    <p:spTree>
+      <p:nvGrpSpPr>
+        <p:cNvPr id="1" name=""/>
+        <p:cNvGrpSpPr/>
+        <p:nvPr/>
+      </p:nvGrpSpPr>
+      <p:grpSpPr>
+        <a:xfrm>
+          <a:off x="0" y="0"/>
+          <a:ext cx="0" cy="0"/>
+          <a:chOff x="0" y="0"/>
+          <a:chExt cx="0" cy="0"/>
+        </a:xfrm>
+      </p:grpSpPr>
+      <p:sp>
+        <p:nvSpPr>
+          <p:cNvPr id="2" name="Образ слайда 1"/>
+          <p:cNvSpPr>
+            <a:spLocks noGrp="1" noRot="1" noChangeAspect="1"/>
+          </p:cNvSpPr>
+          <p:nvPr>
+            <p:ph type="sldImg"/>
+          </p:nvPr>
+        </p:nvSpPr>
+        <p:spPr/>
+      </p:sp>
+      <p:sp>
+        <p:nvSpPr>
+          <p:cNvPr id="3" name="Заметки 2"/>
+          <p:cNvSpPr>
+            <a:spLocks noGrp="1"/>
+          </p:cNvSpPr>
+          <p:nvPr>
+            <p:ph type="body" idx="1"/>
+          </p:nvPr>
+        </p:nvSpPr>
+        <p:spPr/>
+        <p:txBody>
+          <a:bodyPr>
+            <a:normAutofit/>
+          </a:bodyPr>
+          <a:lstStyle/>
+          <a:p>
+            <a:r>
+              <a:rPr lang="en-US" dirty="0"/>
+              <a:t>https</a:t>
+            </a:r>
+            <a:r>
+              <a:rPr lang="en-US"/>
+              <a:t>://python-scripts.com/scope</a:t>
+            </a:r>
+            <a:endParaRPr lang="ru-RU" dirty="0"/>
+          </a:p>
+        </p:txBody>
+      </p:sp>
+      <p:sp>
+        <p:nvSpPr>
+          <p:cNvPr id="4" name="Номер слайда 3"/>
+          <p:cNvSpPr>
+            <a:spLocks noGrp="1"/>
+          </p:cNvSpPr>
+          <p:nvPr>
+            <p:ph type="sldNum" sz="quarter" idx="10"/>
+          </p:nvPr>
+        </p:nvSpPr>
+        <p:spPr/>
+        <p:txBody>
+          <a:bodyPr/>
+          <a:lstStyle/>
+          <a:p>
+            <a:fld id="{5CFA294B-FE41-4427-A7F6-0AF3C028BF82}" type="slidenum">
+              <a:rPr lang="ru-RU" smtClean="0"/>
+              <a:pPr/>
+              <a:t>6</a:t>
+            </a:fld>
+            <a:endParaRPr lang="ru-RU"/>
+          </a:p>
+        </p:txBody>
+      </p:sp>
+    </p:spTree>
+  </p:cSld>
+  <p:clrMapOvr>
+    <a:masterClrMapping/>
+  </p:clrMapOvr>
+</p:notes>
+</file>
+
+<file path=ppt/notesSlides/notesSlide2.xml><?xml version="1.0" encoding="utf-8"?>
+<p:notes xmlns:a="http://schemas.openxmlformats.org/drawingml/2006/main" xmlns:r="http://schemas.openxmlformats.org/officeDocument/2006/relationships" xmlns:p="http://schemas.openxmlformats.org/presentationml/2006/main">
+  <p:cSld>
+    <p:spTree>
+      <p:nvGrpSpPr>
+        <p:cNvPr id="1" name=""/>
+        <p:cNvGrpSpPr/>
+        <p:nvPr/>
+      </p:nvGrpSpPr>
+      <p:grpSpPr>
+        <a:xfrm>
+          <a:off x="0" y="0"/>
+          <a:ext cx="0" cy="0"/>
+          <a:chOff x="0" y="0"/>
+          <a:chExt cx="0" cy="0"/>
+        </a:xfrm>
+      </p:grpSpPr>
+      <p:sp>
+        <p:nvSpPr>
+          <p:cNvPr id="2" name="Образ слайда 1"/>
+          <p:cNvSpPr>
+            <a:spLocks noGrp="1" noRot="1" noChangeAspect="1"/>
+          </p:cNvSpPr>
+          <p:nvPr>
+            <p:ph type="sldImg"/>
+          </p:nvPr>
+        </p:nvSpPr>
+        <p:spPr/>
+      </p:sp>
+      <p:sp>
+        <p:nvSpPr>
+          <p:cNvPr id="3" name="Заметки 2"/>
+          <p:cNvSpPr>
+            <a:spLocks noGrp="1"/>
+          </p:cNvSpPr>
+          <p:nvPr>
+            <p:ph type="body" idx="1"/>
+          </p:nvPr>
+        </p:nvSpPr>
+        <p:spPr/>
+        <p:txBody>
+          <a:bodyPr>
+            <a:normAutofit/>
+          </a:bodyPr>
+          <a:lstStyle/>
+          <a:p>
+            <a:r>
+              <a:rPr lang="en-US" dirty="0"/>
+              <a:t>https://habr.com/post/335866/</a:t>
+            </a:r>
+            <a:endParaRPr lang="ru-RU" dirty="0"/>
+          </a:p>
+        </p:txBody>
+      </p:sp>
+      <p:sp>
+        <p:nvSpPr>
+          <p:cNvPr id="4" name="Номер слайда 3"/>
+          <p:cNvSpPr>
+            <a:spLocks noGrp="1"/>
+          </p:cNvSpPr>
+          <p:nvPr>
+            <p:ph type="sldNum" sz="quarter" idx="10"/>
+          </p:nvPr>
+        </p:nvSpPr>
+        <p:spPr/>
+        <p:txBody>
+          <a:bodyPr/>
+          <a:lstStyle/>
+          <a:p>
+            <a:fld id="{5CFA294B-FE41-4427-A7F6-0AF3C028BF82}" type="slidenum">
+              <a:rPr lang="ru-RU" smtClean="0"/>
+              <a:pPr/>
+              <a:t>7</a:t>
+            </a:fld>
+            <a:endParaRPr lang="ru-RU"/>
+          </a:p>
+        </p:txBody>
+      </p:sp>
+    </p:spTree>
+  </p:cSld>
+  <p:clrMapOvr>
+    <a:masterClrMapping/>
+  </p:clrMapOvr>
+</p:notes>
+</file>
+
+<file path=ppt/notesSlides/notesSlide3.xml><?xml version="1.0" encoding="utf-8"?>
+<p:notes xmlns:a="http://schemas.openxmlformats.org/drawingml/2006/main" xmlns:r="http://schemas.openxmlformats.org/officeDocument/2006/relationships" xmlns:p="http://schemas.openxmlformats.org/presentationml/2006/main">
+  <p:cSld>
+    <p:spTree>
+      <p:nvGrpSpPr>
+        <p:cNvPr id="1" name=""/>
+        <p:cNvGrpSpPr/>
+        <p:nvPr/>
+      </p:nvGrpSpPr>
+      <p:grpSpPr>
+        <a:xfrm>
+          <a:off x="0" y="0"/>
+          <a:ext cx="0" cy="0"/>
+          <a:chOff x="0" y="0"/>
+          <a:chExt cx="0" cy="0"/>
+        </a:xfrm>
+      </p:grpSpPr>
+      <p:sp>
+        <p:nvSpPr>
+          <p:cNvPr id="2" name="Образ слайда 1"/>
+          <p:cNvSpPr>
+            <a:spLocks noGrp="1" noRot="1" noChangeAspect="1"/>
+          </p:cNvSpPr>
+          <p:nvPr>
+            <p:ph type="sldImg"/>
+          </p:nvPr>
+        </p:nvSpPr>
+        <p:spPr/>
+      </p:sp>
+      <p:sp>
+        <p:nvSpPr>
+          <p:cNvPr id="3" name="Заметки 2"/>
+          <p:cNvSpPr>
+            <a:spLocks noGrp="1"/>
+          </p:cNvSpPr>
+          <p:nvPr>
+            <p:ph type="body" idx="1"/>
+          </p:nvPr>
+        </p:nvSpPr>
+        <p:spPr/>
+        <p:txBody>
+          <a:bodyPr>
+            <a:normAutofit/>
+          </a:bodyPr>
+          <a:lstStyle/>
+          <a:p>
+            <a:r>
+              <a:rPr lang="en-US" dirty="0"/>
+              <a:t>https</a:t>
+            </a:r>
+            <a:r>
+              <a:rPr lang="en-US"/>
+              <a:t>://www.ibm.com/developerworks/ru/library/l-python_details_03</a:t>
+            </a:r>
+            <a:r>
+              <a:rPr lang="en-US" dirty="0"/>
+              <a:t>/</a:t>
+            </a:r>
+            <a:endParaRPr lang="ru-RU" dirty="0"/>
+          </a:p>
+        </p:txBody>
+      </p:sp>
+      <p:sp>
+        <p:nvSpPr>
+          <p:cNvPr id="4" name="Номер слайда 3"/>
+          <p:cNvSpPr>
+            <a:spLocks noGrp="1"/>
+          </p:cNvSpPr>
+          <p:nvPr>
+            <p:ph type="sldNum" sz="quarter" idx="10"/>
+          </p:nvPr>
+        </p:nvSpPr>
+        <p:spPr/>
+        <p:txBody>
+          <a:bodyPr/>
+          <a:lstStyle/>
+          <a:p>
+            <a:fld id="{5CFA294B-FE41-4427-A7F6-0AF3C028BF82}" type="slidenum">
+              <a:rPr lang="ru-RU" smtClean="0"/>
+              <a:pPr/>
+              <a:t>8</a:t>
+            </a:fld>
+            <a:endParaRPr lang="ru-RU"/>
+          </a:p>
+        </p:txBody>
+      </p:sp>
+    </p:spTree>
+  </p:cSld>
+  <p:clrMapOvr>
+    <a:masterClrMapping/>
+  </p:clrMapOvr>
+</p:notes>
+</file>
+
+<file path=ppt/notesSlides/notesSlide4.xml><?xml version="1.0" encoding="utf-8"?>
+<p:notes xmlns:a="http://schemas.openxmlformats.org/drawingml/2006/main" xmlns:r="http://schemas.openxmlformats.org/officeDocument/2006/relationships" xmlns:p="http://schemas.openxmlformats.org/presentationml/2006/main">
+  <p:cSld>
+    <p:spTree>
+      <p:nvGrpSpPr>
+        <p:cNvPr id="1" name=""/>
+        <p:cNvGrpSpPr/>
+        <p:nvPr/>
+      </p:nvGrpSpPr>
+      <p:grpSpPr>
+        <a:xfrm>
+          <a:off x="0" y="0"/>
+          <a:ext cx="0" cy="0"/>
+          <a:chOff x="0" y="0"/>
+          <a:chExt cx="0" cy="0"/>
+        </a:xfrm>
+      </p:grpSpPr>
+      <p:sp>
+        <p:nvSpPr>
+          <p:cNvPr id="2" name="Образ слайда 1"/>
+          <p:cNvSpPr>
+            <a:spLocks noGrp="1" noRot="1" noChangeAspect="1"/>
+          </p:cNvSpPr>
+          <p:nvPr>
+            <p:ph type="sldImg"/>
+          </p:nvPr>
+        </p:nvSpPr>
+        <p:spPr/>
+      </p:sp>
+      <p:sp>
+        <p:nvSpPr>
+          <p:cNvPr id="3" name="Заметки 2"/>
+          <p:cNvSpPr>
+            <a:spLocks noGrp="1"/>
+          </p:cNvSpPr>
+          <p:nvPr>
+            <p:ph type="body" idx="1"/>
+          </p:nvPr>
+        </p:nvSpPr>
+        <p:spPr/>
+        <p:txBody>
+          <a:bodyPr>
+            <a:normAutofit/>
+          </a:bodyPr>
+          <a:lstStyle/>
+          <a:p>
+            <a:r>
+              <a:rPr lang="en-US" dirty="0"/>
+              <a:t>http</a:t>
+            </a:r>
+            <a:r>
+              <a:rPr lang="en-US"/>
+              <a:t>://old.pynsk.ru/posts/2015/Oct/08/opyt-razrabotchikov-zamykaniia-closure-zachem-i-pochemu/#.WvlNtn--mie</a:t>
+            </a:r>
+            <a:endParaRPr lang="ru-RU" dirty="0"/>
+          </a:p>
+        </p:txBody>
+      </p:sp>
+      <p:sp>
+        <p:nvSpPr>
+          <p:cNvPr id="4" name="Номер слайда 3"/>
+          <p:cNvSpPr>
+            <a:spLocks noGrp="1"/>
+          </p:cNvSpPr>
+          <p:nvPr>
+            <p:ph type="sldNum" sz="quarter" idx="10"/>
+          </p:nvPr>
+        </p:nvSpPr>
+        <p:spPr/>
+        <p:txBody>
+          <a:bodyPr/>
+          <a:lstStyle/>
+          <a:p>
+            <a:fld id="{5CFA294B-FE41-4427-A7F6-0AF3C028BF82}" type="slidenum">
+              <a:rPr lang="ru-RU" smtClean="0"/>
+              <a:pPr/>
+              <a:t>9</a:t>
+            </a:fld>
+            <a:endParaRPr lang="ru-RU"/>
+          </a:p>
+        </p:txBody>
+      </p:sp>
+    </p:spTree>
+  </p:cSld>
+  <p:clrMapOvr>
+    <a:masterClrMapping/>
+  </p:clrMapOvr>
+</p:notes>
 </file>
 
 <file path=ppt/slideLayouts/slideLayout1.xml><?xml version="1.0" encoding="utf-8"?>
@@ -17607,7 +17981,7 @@
           <a:p>
             <a:fld id="{EF790F8C-5FB9-4EFE-BCC7-F735A3026FD8}" type="datetimeFigureOut">
               <a:rPr lang="ru-RU" smtClean="0"/>
-              <a:t>07.11.2024</a:t>
+              <a:t>11.11.2024</a:t>
             </a:fld>
             <a:endParaRPr lang="ru-RU"/>
           </a:p>
@@ -17671,6 +18045,203 @@
     <p:extLst>
       <p:ext uri="{BB962C8B-B14F-4D97-AF65-F5344CB8AC3E}">
         <p14:creationId xmlns:p14="http://schemas.microsoft.com/office/powerpoint/2010/main" val="3095847298"/>
+      </p:ext>
+    </p:extLst>
+  </p:cSld>
+  <p:clrMapOvr>
+    <a:masterClrMapping/>
+  </p:clrMapOvr>
+</p:sldLayout>
+</file>
+
+<file path=ppt/slideLayouts/slideLayout46.xml><?xml version="1.0" encoding="utf-8"?>
+<p:sldLayout xmlns:a="http://schemas.openxmlformats.org/drawingml/2006/main" xmlns:r="http://schemas.openxmlformats.org/officeDocument/2006/relationships" xmlns:p="http://schemas.openxmlformats.org/presentationml/2006/main" type="obj">
+  <p:cSld name="Заголовок и объект">
+    <p:spTree>
+      <p:nvGrpSpPr>
+        <p:cNvPr id="1" name=""/>
+        <p:cNvGrpSpPr/>
+        <p:nvPr/>
+      </p:nvGrpSpPr>
+      <p:grpSpPr>
+        <a:xfrm>
+          <a:off x="0" y="0"/>
+          <a:ext cx="0" cy="0"/>
+          <a:chOff x="0" y="0"/>
+          <a:chExt cx="0" cy="0"/>
+        </a:xfrm>
+      </p:grpSpPr>
+      <p:sp>
+        <p:nvSpPr>
+          <p:cNvPr id="2" name="Заголовок 1"/>
+          <p:cNvSpPr>
+            <a:spLocks noGrp="1"/>
+          </p:cNvSpPr>
+          <p:nvPr>
+            <p:ph type="title"/>
+          </p:nvPr>
+        </p:nvSpPr>
+        <p:spPr>
+          <a:xfrm>
+            <a:off x="143339" y="0"/>
+            <a:ext cx="11905323" cy="620688"/>
+          </a:xfrm>
+        </p:spPr>
+        <p:txBody>
+          <a:bodyPr>
+            <a:noAutofit/>
+          </a:bodyPr>
+          <a:lstStyle>
+            <a:lvl1pPr>
+              <a:defRPr sz="4400"/>
+            </a:lvl1pPr>
+          </a:lstStyle>
+          <a:p>
+            <a:r>
+              <a:rPr lang="ru-RU" dirty="0"/>
+              <a:t>Образец заголовка</a:t>
+            </a:r>
+          </a:p>
+        </p:txBody>
+      </p:sp>
+      <p:sp>
+        <p:nvSpPr>
+          <p:cNvPr id="3" name="Содержимое 2"/>
+          <p:cNvSpPr>
+            <a:spLocks noGrp="1"/>
+          </p:cNvSpPr>
+          <p:nvPr>
+            <p:ph idx="1"/>
+          </p:nvPr>
+        </p:nvSpPr>
+        <p:spPr>
+          <a:xfrm>
+            <a:off x="143339" y="764704"/>
+            <a:ext cx="11905323" cy="5544616"/>
+          </a:xfrm>
+        </p:spPr>
+        <p:txBody>
+          <a:bodyPr/>
+          <a:lstStyle>
+            <a:lvl1pPr marL="0" indent="0">
+              <a:lnSpc>
+                <a:spcPct val="80000"/>
+              </a:lnSpc>
+              <a:spcBef>
+                <a:spcPts val="0"/>
+              </a:spcBef>
+              <a:buFont typeface="Wingdings" pitchFamily="2" charset="2"/>
+              <a:buChar char="Ø"/>
+              <a:defRPr/>
+            </a:lvl1pPr>
+            <a:lvl2pPr marL="324000" indent="0">
+              <a:lnSpc>
+                <a:spcPct val="80000"/>
+              </a:lnSpc>
+              <a:spcBef>
+                <a:spcPts val="0"/>
+              </a:spcBef>
+              <a:buFont typeface="Wingdings" pitchFamily="2" charset="2"/>
+              <a:buChar char="ü"/>
+              <a:defRPr/>
+            </a:lvl2pPr>
+            <a:lvl3pPr marL="648000" indent="0">
+              <a:lnSpc>
+                <a:spcPct val="80000"/>
+              </a:lnSpc>
+              <a:spcBef>
+                <a:spcPts val="0"/>
+              </a:spcBef>
+              <a:buFont typeface="Arial" pitchFamily="34" charset="0"/>
+              <a:buChar char="•"/>
+              <a:defRPr/>
+            </a:lvl3pPr>
+            <a:lvl4pPr marL="972000" indent="0">
+              <a:lnSpc>
+                <a:spcPct val="80000"/>
+              </a:lnSpc>
+              <a:spcBef>
+                <a:spcPts val="0"/>
+              </a:spcBef>
+              <a:defRPr/>
+            </a:lvl4pPr>
+            <a:lvl5pPr marL="1296000" indent="0">
+              <a:lnSpc>
+                <a:spcPct val="80000"/>
+              </a:lnSpc>
+              <a:spcBef>
+                <a:spcPts val="0"/>
+              </a:spcBef>
+              <a:buFont typeface="Wingdings" pitchFamily="2" charset="2"/>
+              <a:buChar char="v"/>
+              <a:defRPr/>
+            </a:lvl5pPr>
+          </a:lstStyle>
+          <a:p>
+            <a:pPr lvl="0"/>
+            <a:r>
+              <a:rPr lang="ru-RU" dirty="0"/>
+              <a:t>Образец текста</a:t>
+            </a:r>
+          </a:p>
+          <a:p>
+            <a:pPr lvl="1"/>
+            <a:r>
+              <a:rPr lang="ru-RU" dirty="0"/>
+              <a:t>Второй уровень</a:t>
+            </a:r>
+          </a:p>
+          <a:p>
+            <a:pPr lvl="2"/>
+            <a:r>
+              <a:rPr lang="ru-RU" dirty="0"/>
+              <a:t>Третий уровень</a:t>
+            </a:r>
+          </a:p>
+          <a:p>
+            <a:pPr lvl="3"/>
+            <a:r>
+              <a:rPr lang="ru-RU" dirty="0"/>
+              <a:t>Четвертый уровень</a:t>
+            </a:r>
+          </a:p>
+          <a:p>
+            <a:pPr lvl="4"/>
+            <a:r>
+              <a:rPr lang="ru-RU" dirty="0"/>
+              <a:t>Пятый уровень</a:t>
+            </a:r>
+          </a:p>
+        </p:txBody>
+      </p:sp>
+      <p:sp>
+        <p:nvSpPr>
+          <p:cNvPr id="6" name="Номер слайда 5"/>
+          <p:cNvSpPr>
+            <a:spLocks noGrp="1"/>
+          </p:cNvSpPr>
+          <p:nvPr>
+            <p:ph type="sldNum" sz="quarter" idx="12"/>
+          </p:nvPr>
+        </p:nvSpPr>
+        <p:spPr/>
+        <p:txBody>
+          <a:bodyPr/>
+          <a:lstStyle/>
+          <a:p>
+            <a:fld id="{725C68B6-61C2-468F-89AB-4B9F7531AA68}" type="slidenum">
+              <a:rPr lang="ru-RU" smtClean="0"/>
+              <a:pPr/>
+              <a:t>‹#›</a:t>
+            </a:fld>
+            <a:endParaRPr lang="ru-RU"/>
+          </a:p>
+        </p:txBody>
+      </p:sp>
+    </p:spTree>
+    <p:extLst>
+      <p:ext uri="{BB962C8B-B14F-4D97-AF65-F5344CB8AC3E}">
+        <p14:creationId xmlns:p14="http://schemas.microsoft.com/office/powerpoint/2010/main" val="3517060454"/>
       </p:ext>
     </p:extLst>
   </p:cSld>
@@ -20857,7 +21428,7 @@
             </a:pathLst>
           </a:custGeom>
           <a:blipFill rotWithShape="0">
-            <a:blip r:embed="rId16"/>
+            <a:blip r:embed="rId17"/>
             <a:stretch/>
           </a:blipFill>
           <a:ln w="0">
@@ -20916,7 +21487,7 @@
             </a:pathLst>
           </a:custGeom>
           <a:blipFill rotWithShape="0">
-            <a:blip r:embed="rId17">
+            <a:blip r:embed="rId18">
               <a:alphaModFix amt="50000"/>
             </a:blip>
             <a:stretch/>
@@ -20961,6 +21532,7 @@
     <p:sldLayoutId id="2147483871" r:id="rId12"/>
     <p:sldLayoutId id="2147483872" r:id="rId13"/>
     <p:sldLayoutId id="2147483873" r:id="rId14"/>
+    <p:sldLayoutId id="2147483874" r:id="rId15"/>
   </p:sldLayoutIdLst>
   <p:txStyles>
     <p:titleStyle>
@@ -21401,488 +21973,7 @@
 </p:sld>
 </file>
 
-<file path=ppt/slides/slide2.xml><?xml version="1.0" encoding="utf-8"?>
-<p:sld xmlns:a="http://schemas.openxmlformats.org/drawingml/2006/main" xmlns:r="http://schemas.openxmlformats.org/officeDocument/2006/relationships" xmlns:p="http://schemas.openxmlformats.org/presentationml/2006/main">
-  <p:cSld>
-    <p:spTree>
-      <p:nvGrpSpPr>
-        <p:cNvPr id="1" name=""/>
-        <p:cNvGrpSpPr/>
-        <p:nvPr/>
-      </p:nvGrpSpPr>
-      <p:grpSpPr>
-        <a:xfrm>
-          <a:off x="0" y="0"/>
-          <a:ext cx="0" cy="0"/>
-          <a:chOff x="0" y="0"/>
-          <a:chExt cx="0" cy="0"/>
-        </a:xfrm>
-      </p:grpSpPr>
-      <p:sp>
-        <p:nvSpPr>
-          <p:cNvPr id="4" name="Прямоугольник 3">
-            <a:extLst>
-              <a:ext uri="{FF2B5EF4-FFF2-40B4-BE49-F238E27FC236}">
-                <a16:creationId xmlns:a16="http://schemas.microsoft.com/office/drawing/2014/main" id="{88E52E04-6C95-442D-87EA-C566D47D79B7}"/>
-              </a:ext>
-            </a:extLst>
-          </p:cNvPr>
-          <p:cNvSpPr/>
-          <p:nvPr/>
-        </p:nvSpPr>
-        <p:spPr>
-          <a:xfrm>
-            <a:off x="461025" y="2083444"/>
-            <a:ext cx="11462390" cy="3785652"/>
-          </a:xfrm>
-          <a:prstGeom prst="rect">
-            <a:avLst/>
-          </a:prstGeom>
-        </p:spPr>
-        <p:txBody>
-          <a:bodyPr wrap="square">
-            <a:spAutoFit/>
-          </a:bodyPr>
-          <a:lstStyle/>
-          <a:p>
-            <a:r>
-              <a:rPr lang="ru-RU" sz="4000" dirty="0">
-                <a:solidFill>
-                  <a:schemeClr val="tx1">
-                    <a:lumMod val="95000"/>
-                    <a:lumOff val="5000"/>
-                  </a:schemeClr>
-                </a:solidFill>
-                <a:latin typeface="Yandex Sans Text Light" panose="02000000000000000000" pitchFamily="2" charset="-52"/>
-              </a:rPr>
-              <a:t>1)	</a:t>
-            </a:r>
-            <a:r>
-              <a:rPr lang="en-US" sz="4000" dirty="0">
-                <a:solidFill>
-                  <a:schemeClr val="tx1">
-                    <a:lumMod val="95000"/>
-                    <a:lumOff val="5000"/>
-                  </a:schemeClr>
-                </a:solidFill>
-                <a:latin typeface="Yandex Sans Text Light" panose="02000000000000000000" pitchFamily="2" charset="-52"/>
-              </a:rPr>
-              <a:t> </a:t>
-            </a:r>
-            <a:r>
-              <a:rPr lang="ru-RU" sz="4000" dirty="0">
-                <a:solidFill>
-                  <a:schemeClr val="tx1">
-                    <a:lumMod val="95000"/>
-                    <a:lumOff val="5000"/>
-                  </a:schemeClr>
-                </a:solidFill>
-                <a:latin typeface="Yandex Sans Text Light" panose="02000000000000000000" pitchFamily="2" charset="-52"/>
-              </a:rPr>
-              <a:t>Глобальный и локальный контекст</a:t>
-            </a:r>
-          </a:p>
-          <a:p>
-            <a:r>
-              <a:rPr lang="ru-RU" sz="4000" dirty="0">
-                <a:solidFill>
-                  <a:schemeClr val="tx1">
-                    <a:lumMod val="95000"/>
-                    <a:lumOff val="5000"/>
-                  </a:schemeClr>
-                </a:solidFill>
-                <a:latin typeface="Yandex Sans Text Light" panose="02000000000000000000" pitchFamily="2" charset="-52"/>
-              </a:rPr>
-              <a:t>2)</a:t>
-            </a:r>
-            <a:r>
-              <a:rPr lang="en-US" sz="4000" dirty="0">
-                <a:solidFill>
-                  <a:schemeClr val="tx1">
-                    <a:lumMod val="95000"/>
-                    <a:lumOff val="5000"/>
-                  </a:schemeClr>
-                </a:solidFill>
-                <a:latin typeface="Yandex Sans Text Light" panose="02000000000000000000" pitchFamily="2" charset="-52"/>
-              </a:rPr>
-              <a:t> </a:t>
-            </a:r>
-            <a:r>
-              <a:rPr lang="ru-RU" sz="4000" dirty="0">
-                <a:solidFill>
-                  <a:schemeClr val="tx1">
-                    <a:lumMod val="95000"/>
-                    <a:lumOff val="5000"/>
-                  </a:schemeClr>
-                </a:solidFill>
-                <a:latin typeface="Yandex Sans Text Light" panose="02000000000000000000" pitchFamily="2" charset="-52"/>
-              </a:rPr>
-              <a:t>Замыкания функций</a:t>
-            </a:r>
-          </a:p>
-          <a:p>
-            <a:r>
-              <a:rPr lang="ru-RU" sz="4000" dirty="0">
-                <a:solidFill>
-                  <a:schemeClr val="tx1">
-                    <a:lumMod val="95000"/>
-                    <a:lumOff val="5000"/>
-                  </a:schemeClr>
-                </a:solidFill>
-                <a:latin typeface="Yandex Sans Text Light" panose="02000000000000000000" pitchFamily="2" charset="-52"/>
-              </a:rPr>
-              <a:t>3)	</a:t>
-            </a:r>
-            <a:r>
-              <a:rPr lang="en-US" sz="4000" dirty="0">
-                <a:solidFill>
-                  <a:schemeClr val="tx1">
-                    <a:lumMod val="95000"/>
-                    <a:lumOff val="5000"/>
-                  </a:schemeClr>
-                </a:solidFill>
-                <a:latin typeface="Yandex Sans Text Light" panose="02000000000000000000" pitchFamily="2" charset="-52"/>
-              </a:rPr>
-              <a:t> </a:t>
-            </a:r>
-            <a:r>
-              <a:rPr lang="ru-RU" sz="4000" dirty="0">
-                <a:solidFill>
-                  <a:schemeClr val="tx1">
-                    <a:lumMod val="95000"/>
-                    <a:lumOff val="5000"/>
-                  </a:schemeClr>
-                </a:solidFill>
-                <a:latin typeface="Yandex Sans Text Light" panose="02000000000000000000" pitchFamily="2" charset="-52"/>
-              </a:rPr>
-              <a:t>Декораторы функций</a:t>
-            </a:r>
-          </a:p>
-          <a:p>
-            <a:r>
-              <a:rPr lang="ru-RU" sz="4000" dirty="0">
-                <a:solidFill>
-                  <a:schemeClr val="tx1">
-                    <a:lumMod val="95000"/>
-                    <a:lumOff val="5000"/>
-                  </a:schemeClr>
-                </a:solidFill>
-                <a:latin typeface="Yandex Sans Text Light" panose="02000000000000000000" pitchFamily="2" charset="-52"/>
-              </a:rPr>
-              <a:t>4)	</a:t>
-            </a:r>
-            <a:r>
-              <a:rPr lang="en-US" sz="4000" dirty="0">
-                <a:solidFill>
-                  <a:schemeClr val="tx1">
-                    <a:lumMod val="95000"/>
-                    <a:lumOff val="5000"/>
-                  </a:schemeClr>
-                </a:solidFill>
-                <a:latin typeface="Yandex Sans Text Light" panose="02000000000000000000" pitchFamily="2" charset="-52"/>
-              </a:rPr>
-              <a:t> </a:t>
-            </a:r>
-            <a:r>
-              <a:rPr lang="ru-RU" sz="4000" dirty="0">
-                <a:solidFill>
-                  <a:schemeClr val="tx1">
-                    <a:lumMod val="95000"/>
-                    <a:lumOff val="5000"/>
-                  </a:schemeClr>
-                </a:solidFill>
-                <a:latin typeface="Yandex Sans Text Light" panose="02000000000000000000" pitchFamily="2" charset="-52"/>
-              </a:rPr>
-              <a:t>Встроенные декораторы</a:t>
-            </a:r>
-          </a:p>
-          <a:p>
-            <a:r>
-              <a:rPr lang="ru-RU" sz="4000" dirty="0">
-                <a:solidFill>
-                  <a:schemeClr val="tx1">
-                    <a:lumMod val="95000"/>
-                    <a:lumOff val="5000"/>
-                  </a:schemeClr>
-                </a:solidFill>
-                <a:latin typeface="Yandex Sans Text Light" panose="02000000000000000000" pitchFamily="2" charset="-52"/>
-              </a:rPr>
-              <a:t>5)</a:t>
-            </a:r>
-            <a:r>
-              <a:rPr lang="en-US" sz="4000" dirty="0">
-                <a:solidFill>
-                  <a:schemeClr val="tx1">
-                    <a:lumMod val="95000"/>
-                    <a:lumOff val="5000"/>
-                  </a:schemeClr>
-                </a:solidFill>
-                <a:latin typeface="Yandex Sans Text Light" panose="02000000000000000000" pitchFamily="2" charset="-52"/>
-              </a:rPr>
-              <a:t> </a:t>
-            </a:r>
-            <a:r>
-              <a:rPr lang="ru-RU" sz="4000" dirty="0">
-                <a:solidFill>
-                  <a:schemeClr val="tx1">
-                    <a:lumMod val="95000"/>
-                    <a:lumOff val="5000"/>
-                  </a:schemeClr>
-                </a:solidFill>
-                <a:latin typeface="Yandex Sans Text Light" panose="02000000000000000000" pitchFamily="2" charset="-52"/>
-              </a:rPr>
-              <a:t>Функция-генератор. Оператор </a:t>
-            </a:r>
-            <a:r>
-              <a:rPr lang="ru-RU" sz="4000" dirty="0" err="1">
-                <a:solidFill>
-                  <a:schemeClr val="tx1">
-                    <a:lumMod val="95000"/>
-                    <a:lumOff val="5000"/>
-                  </a:schemeClr>
-                </a:solidFill>
-                <a:latin typeface="Yandex Sans Text Light" panose="02000000000000000000" pitchFamily="2" charset="-52"/>
-              </a:rPr>
-              <a:t>yield</a:t>
-            </a:r>
-            <a:endParaRPr lang="ru-RU" sz="4000" dirty="0">
-              <a:solidFill>
-                <a:schemeClr val="tx1">
-                  <a:lumMod val="95000"/>
-                  <a:lumOff val="5000"/>
-                </a:schemeClr>
-              </a:solidFill>
-              <a:latin typeface="Yandex Sans Text Light" panose="02000000000000000000" pitchFamily="2" charset="-52"/>
-            </a:endParaRPr>
-          </a:p>
-          <a:p>
-            <a:r>
-              <a:rPr lang="ru-RU" sz="4000" dirty="0">
-                <a:solidFill>
-                  <a:schemeClr val="tx1">
-                    <a:lumMod val="95000"/>
-                    <a:lumOff val="5000"/>
-                  </a:schemeClr>
-                </a:solidFill>
-                <a:latin typeface="Yandex Sans Text Light" panose="02000000000000000000" pitchFamily="2" charset="-52"/>
-              </a:rPr>
-              <a:t>6)	Практические задачи</a:t>
-            </a:r>
-          </a:p>
-        </p:txBody>
-      </p:sp>
-      <p:sp>
-        <p:nvSpPr>
-          <p:cNvPr id="7" name="Прямоугольник 6">
-            <a:extLst>
-              <a:ext uri="{FF2B5EF4-FFF2-40B4-BE49-F238E27FC236}">
-                <a16:creationId xmlns:a16="http://schemas.microsoft.com/office/drawing/2014/main" id="{E5C1123A-19BF-4882-9F66-D70C0F568C33}"/>
-              </a:ext>
-            </a:extLst>
-          </p:cNvPr>
-          <p:cNvSpPr/>
-          <p:nvPr/>
-        </p:nvSpPr>
-        <p:spPr>
-          <a:xfrm>
-            <a:off x="576404" y="145414"/>
-            <a:ext cx="7724334" cy="1569660"/>
-          </a:xfrm>
-          <a:prstGeom prst="rect">
-            <a:avLst/>
-          </a:prstGeom>
-        </p:spPr>
-        <p:txBody>
-          <a:bodyPr wrap="square">
-            <a:spAutoFit/>
-          </a:bodyPr>
-          <a:lstStyle/>
-          <a:p>
-            <a:pPr lvl="0" defTabSz="914400"/>
-            <a:r>
-              <a:rPr kumimoji="0" lang="ru-RU" sz="4800" b="1" i="0" u="none" strike="noStrike" kern="0" cap="none" spc="0" normalizeH="0" baseline="0" noProof="0" dirty="0">
-                <a:ln>
-                  <a:noFill/>
-                </a:ln>
-                <a:solidFill>
-                  <a:schemeClr val="tx1">
-                    <a:lumMod val="95000"/>
-                    <a:lumOff val="5000"/>
-                  </a:schemeClr>
-                </a:solidFill>
-                <a:effectLst/>
-                <a:uLnTx/>
-                <a:uFillTx/>
-                <a:latin typeface="Yandex Sans Text Light" panose="02000000000000000000" pitchFamily="2" charset="-52"/>
-              </a:rPr>
-              <a:t>Модуль </a:t>
-            </a:r>
-            <a:r>
-              <a:rPr kumimoji="0" lang="en-US" sz="4800" b="1" i="0" u="none" strike="noStrike" kern="0" cap="none" spc="0" normalizeH="0" baseline="0" noProof="0" dirty="0">
-                <a:ln>
-                  <a:noFill/>
-                </a:ln>
-                <a:solidFill>
-                  <a:schemeClr val="tx1">
-                    <a:lumMod val="95000"/>
-                    <a:lumOff val="5000"/>
-                  </a:schemeClr>
-                </a:solidFill>
-                <a:effectLst/>
-                <a:uLnTx/>
-                <a:uFillTx/>
-                <a:latin typeface="Yandex Sans Text Light" panose="02000000000000000000" pitchFamily="2" charset="-52"/>
-              </a:rPr>
-              <a:t>2</a:t>
-            </a:r>
-            <a:r>
-              <a:rPr lang="ru-RU" sz="4800" b="1" kern="0" dirty="0">
-                <a:solidFill>
-                  <a:schemeClr val="tx1">
-                    <a:lumMod val="95000"/>
-                    <a:lumOff val="5000"/>
-                  </a:schemeClr>
-                </a:solidFill>
-                <a:latin typeface="Yandex Sans Text Light" panose="02000000000000000000" pitchFamily="2" charset="-52"/>
-              </a:rPr>
-              <a:t>. Замыкания и функции декораторы</a:t>
-            </a:r>
-            <a:endParaRPr kumimoji="0" lang="ru-RU" sz="1800" b="0" i="0" u="none" strike="noStrike" kern="0" cap="none" spc="0" normalizeH="0" baseline="0" noProof="0" dirty="0">
-              <a:ln>
-                <a:noFill/>
-              </a:ln>
-              <a:solidFill>
-                <a:schemeClr val="tx1">
-                  <a:lumMod val="95000"/>
-                  <a:lumOff val="5000"/>
-                </a:schemeClr>
-              </a:solidFill>
-              <a:effectLst/>
-              <a:uLnTx/>
-              <a:uFillTx/>
-            </a:endParaRPr>
-          </a:p>
-        </p:txBody>
-      </p:sp>
-    </p:spTree>
-    <p:extLst>
-      <p:ext uri="{BB962C8B-B14F-4D97-AF65-F5344CB8AC3E}">
-        <p14:creationId xmlns:p14="http://schemas.microsoft.com/office/powerpoint/2010/main" val="3965210719"/>
-      </p:ext>
-    </p:extLst>
-  </p:cSld>
-  <p:clrMapOvr>
-    <a:masterClrMapping/>
-  </p:clrMapOvr>
-</p:sld>
-</file>
-
-<file path=ppt/slides/slide3.xml><?xml version="1.0" encoding="utf-8"?>
-<p:sld xmlns:a="http://schemas.openxmlformats.org/drawingml/2006/main" xmlns:r="http://schemas.openxmlformats.org/officeDocument/2006/relationships" xmlns:p="http://schemas.openxmlformats.org/presentationml/2006/main">
-  <p:cSld>
-    <p:spTree>
-      <p:nvGrpSpPr>
-        <p:cNvPr id="1" name=""/>
-        <p:cNvGrpSpPr/>
-        <p:nvPr/>
-      </p:nvGrpSpPr>
-      <p:grpSpPr>
-        <a:xfrm>
-          <a:off x="0" y="0"/>
-          <a:ext cx="0" cy="0"/>
-          <a:chOff x="0" y="0"/>
-          <a:chExt cx="0" cy="0"/>
-        </a:xfrm>
-      </p:grpSpPr>
-      <p:sp>
-        <p:nvSpPr>
-          <p:cNvPr id="2" name="Заголовок 1">
-            <a:extLst>
-              <a:ext uri="{FF2B5EF4-FFF2-40B4-BE49-F238E27FC236}">
-                <a16:creationId xmlns:a16="http://schemas.microsoft.com/office/drawing/2014/main" id="{69627338-5B1D-4790-9E42-81C5F34681D9}"/>
-              </a:ext>
-            </a:extLst>
-          </p:cNvPr>
-          <p:cNvSpPr>
-            <a:spLocks noGrp="1"/>
-          </p:cNvSpPr>
-          <p:nvPr>
-            <p:ph type="title"/>
-          </p:nvPr>
-        </p:nvSpPr>
-        <p:spPr>
-          <a:xfrm>
-            <a:off x="421621" y="573510"/>
-            <a:ext cx="10515360" cy="1325280"/>
-          </a:xfrm>
-        </p:spPr>
-        <p:txBody>
-          <a:bodyPr/>
-          <a:lstStyle/>
-          <a:p>
-            <a:r>
-              <a:rPr lang="ru-RU" dirty="0"/>
-              <a:t>Функция-генератор. </a:t>
-            </a:r>
-            <a:br>
-              <a:rPr lang="en-US" dirty="0"/>
-            </a:br>
-            <a:r>
-              <a:rPr lang="ru-RU" dirty="0"/>
-              <a:t>Оператор </a:t>
-            </a:r>
-            <a:r>
-              <a:rPr lang="en-US" dirty="0"/>
-              <a:t>yield</a:t>
-            </a:r>
-            <a:endParaRPr lang="ru-RU" dirty="0"/>
-          </a:p>
-        </p:txBody>
-      </p:sp>
-      <p:pic>
-        <p:nvPicPr>
-          <p:cNvPr id="5" name="Рисунок 4">
-            <a:extLst>
-              <a:ext uri="{FF2B5EF4-FFF2-40B4-BE49-F238E27FC236}">
-                <a16:creationId xmlns:a16="http://schemas.microsoft.com/office/drawing/2014/main" id="{4A632DA0-8E3E-4921-B3BB-4D317192AF27}"/>
-              </a:ext>
-            </a:extLst>
-          </p:cNvPr>
-          <p:cNvPicPr>
-            <a:picLocks noChangeAspect="1"/>
-          </p:cNvPicPr>
-          <p:nvPr/>
-        </p:nvPicPr>
-        <p:blipFill>
-          <a:blip r:embed="rId2"/>
-          <a:stretch>
-            <a:fillRect/>
-          </a:stretch>
-        </p:blipFill>
-        <p:spPr>
-          <a:xfrm>
-            <a:off x="932024" y="3476735"/>
-            <a:ext cx="8486740" cy="2452815"/>
-          </a:xfrm>
-          <a:prstGeom prst="rect">
-            <a:avLst/>
-          </a:prstGeom>
-        </p:spPr>
-      </p:pic>
-    </p:spTree>
-    <p:extLst>
-      <p:ext uri="{BB962C8B-B14F-4D97-AF65-F5344CB8AC3E}">
-        <p14:creationId xmlns:p14="http://schemas.microsoft.com/office/powerpoint/2010/main" val="36996225"/>
-      </p:ext>
-    </p:extLst>
-  </p:cSld>
-  <p:clrMapOvr>
-    <a:masterClrMapping/>
-  </p:clrMapOvr>
-</p:sld>
-</file>
-
-<file path=ppt/slides/slide4.xml><?xml version="1.0" encoding="utf-8"?>
+<file path=ppt/slides/slide10.xml><?xml version="1.0" encoding="utf-8"?>
 <p:sld xmlns:a="http://schemas.openxmlformats.org/drawingml/2006/main" xmlns:r="http://schemas.openxmlformats.org/officeDocument/2006/relationships" xmlns:p="http://schemas.openxmlformats.org/presentationml/2006/main">
   <p:cSld>
     <p:spTree>
@@ -21984,7 +22075,7 @@
 </p:sld>
 </file>
 
-<file path=ppt/slides/slide5.xml><?xml version="1.0" encoding="utf-8"?>
+<file path=ppt/slides/slide11.xml><?xml version="1.0" encoding="utf-8"?>
 <p:sld xmlns:a="http://schemas.openxmlformats.org/drawingml/2006/main" xmlns:r="http://schemas.openxmlformats.org/officeDocument/2006/relationships" xmlns:p="http://schemas.openxmlformats.org/presentationml/2006/main" showMasterSp="0">
   <p:cSld>
     <p:spTree>
@@ -22024,7 +22115,7 @@
                 </a:solidFill>
               </a:rPr>
               <a:pPr defTabSz="914400"/>
-              <a:t>5</a:t>
+              <a:t>11</a:t>
             </a:fld>
             <a:endParaRPr lang="ru-RU" dirty="0">
               <a:solidFill>
@@ -22094,7 +22185,7 @@
 </p:sld>
 </file>
 
-<file path=ppt/slides/slide6.xml><?xml version="1.0" encoding="utf-8"?>
+<file path=ppt/slides/slide12.xml><?xml version="1.0" encoding="utf-8"?>
 <p:sld xmlns:a="http://schemas.openxmlformats.org/drawingml/2006/main" xmlns:r="http://schemas.openxmlformats.org/officeDocument/2006/relationships" xmlns:p="http://schemas.openxmlformats.org/presentationml/2006/main" showMasterSp="0">
   <p:cSld>
     <p:spTree>
@@ -22134,7 +22225,7 @@
                 </a:solidFill>
               </a:rPr>
               <a:pPr defTabSz="914400"/>
-              <a:t>6</a:t>
+              <a:t>12</a:t>
             </a:fld>
             <a:endParaRPr lang="ru-RU" dirty="0">
               <a:solidFill>
@@ -22389,7 +22480,112 @@
 </p:sld>
 </file>
 
-<file path=ppt/slides/slide7.xml><?xml version="1.0" encoding="utf-8"?>
+<file path=ppt/slides/slide13.xml><?xml version="1.0" encoding="utf-8"?>
+<p:sld xmlns:a="http://schemas.openxmlformats.org/drawingml/2006/main" xmlns:r="http://schemas.openxmlformats.org/officeDocument/2006/relationships" xmlns:p="http://schemas.openxmlformats.org/presentationml/2006/main">
+  <p:cSld>
+    <p:spTree>
+      <p:nvGrpSpPr>
+        <p:cNvPr id="1" name=""/>
+        <p:cNvGrpSpPr/>
+        <p:nvPr/>
+      </p:nvGrpSpPr>
+      <p:grpSpPr>
+        <a:xfrm>
+          <a:off x="0" y="0"/>
+          <a:ext cx="0" cy="0"/>
+          <a:chOff x="0" y="0"/>
+          <a:chExt cx="0" cy="0"/>
+        </a:xfrm>
+      </p:grpSpPr>
+      <p:sp>
+        <p:nvSpPr>
+          <p:cNvPr id="2" name="Заголовок 1">
+            <a:extLst>
+              <a:ext uri="{FF2B5EF4-FFF2-40B4-BE49-F238E27FC236}">
+                <a16:creationId xmlns:a16="http://schemas.microsoft.com/office/drawing/2014/main" id="{69627338-5B1D-4790-9E42-81C5F34681D9}"/>
+              </a:ext>
+            </a:extLst>
+          </p:cNvPr>
+          <p:cNvSpPr>
+            <a:spLocks noGrp="1"/>
+          </p:cNvSpPr>
+          <p:nvPr>
+            <p:ph type="title"/>
+          </p:nvPr>
+        </p:nvSpPr>
+        <p:spPr>
+          <a:xfrm>
+            <a:off x="421621" y="573510"/>
+            <a:ext cx="10515360" cy="1325280"/>
+          </a:xfrm>
+        </p:spPr>
+        <p:txBody>
+          <a:bodyPr/>
+          <a:lstStyle/>
+          <a:p>
+            <a:r>
+              <a:rPr lang="ru-RU" dirty="0"/>
+              <a:t>Функция-генератор. </a:t>
+            </a:r>
+            <a:br>
+              <a:rPr lang="en-US" dirty="0"/>
+            </a:br>
+            <a:r>
+              <a:rPr lang="ru-RU" dirty="0"/>
+              <a:t>Оператор </a:t>
+            </a:r>
+            <a:r>
+              <a:rPr lang="en-US" dirty="0"/>
+              <a:t>yield</a:t>
+            </a:r>
+            <a:endParaRPr lang="ru-RU" dirty="0"/>
+          </a:p>
+        </p:txBody>
+      </p:sp>
+      <p:pic>
+        <p:nvPicPr>
+          <p:cNvPr id="5" name="Рисунок 4">
+            <a:extLst>
+              <a:ext uri="{FF2B5EF4-FFF2-40B4-BE49-F238E27FC236}">
+                <a16:creationId xmlns:a16="http://schemas.microsoft.com/office/drawing/2014/main" id="{4A632DA0-8E3E-4921-B3BB-4D317192AF27}"/>
+              </a:ext>
+            </a:extLst>
+          </p:cNvPr>
+          <p:cNvPicPr>
+            <a:picLocks noChangeAspect="1"/>
+          </p:cNvPicPr>
+          <p:nvPr/>
+        </p:nvPicPr>
+        <p:blipFill>
+          <a:blip r:embed="rId2"/>
+          <a:stretch>
+            <a:fillRect/>
+          </a:stretch>
+        </p:blipFill>
+        <p:spPr>
+          <a:xfrm>
+            <a:off x="932024" y="3476735"/>
+            <a:ext cx="8486740" cy="2452815"/>
+          </a:xfrm>
+          <a:prstGeom prst="rect">
+            <a:avLst/>
+          </a:prstGeom>
+        </p:spPr>
+      </p:pic>
+    </p:spTree>
+    <p:extLst>
+      <p:ext uri="{BB962C8B-B14F-4D97-AF65-F5344CB8AC3E}">
+        <p14:creationId xmlns:p14="http://schemas.microsoft.com/office/powerpoint/2010/main" val="36996225"/>
+      </p:ext>
+    </p:extLst>
+  </p:cSld>
+  <p:clrMapOvr>
+    <a:masterClrMapping/>
+  </p:clrMapOvr>
+</p:sld>
+</file>
+
+<file path=ppt/slides/slide14.xml><?xml version="1.0" encoding="utf-8"?>
 <p:sld xmlns:a="http://schemas.openxmlformats.org/drawingml/2006/main" xmlns:r="http://schemas.openxmlformats.org/officeDocument/2006/relationships" xmlns:p="http://schemas.openxmlformats.org/presentationml/2006/main">
   <p:cSld>
     <p:spTree>
@@ -22668,6 +22864,1866 @@
         <p14:creationId xmlns:p14="http://schemas.microsoft.com/office/powerpoint/2010/main" val="1405911375"/>
       </p:ext>
     </p:extLst>
+  </p:cSld>
+  <p:clrMapOvr>
+    <a:masterClrMapping/>
+  </p:clrMapOvr>
+</p:sld>
+</file>
+
+<file path=ppt/slides/slide2.xml><?xml version="1.0" encoding="utf-8"?>
+<p:sld xmlns:a="http://schemas.openxmlformats.org/drawingml/2006/main" xmlns:r="http://schemas.openxmlformats.org/officeDocument/2006/relationships" xmlns:p="http://schemas.openxmlformats.org/presentationml/2006/main">
+  <p:cSld>
+    <p:spTree>
+      <p:nvGrpSpPr>
+        <p:cNvPr id="1" name=""/>
+        <p:cNvGrpSpPr/>
+        <p:nvPr/>
+      </p:nvGrpSpPr>
+      <p:grpSpPr>
+        <a:xfrm>
+          <a:off x="0" y="0"/>
+          <a:ext cx="0" cy="0"/>
+          <a:chOff x="0" y="0"/>
+          <a:chExt cx="0" cy="0"/>
+        </a:xfrm>
+      </p:grpSpPr>
+      <p:sp>
+        <p:nvSpPr>
+          <p:cNvPr id="4" name="Прямоугольник 3">
+            <a:extLst>
+              <a:ext uri="{FF2B5EF4-FFF2-40B4-BE49-F238E27FC236}">
+                <a16:creationId xmlns:a16="http://schemas.microsoft.com/office/drawing/2014/main" id="{88E52E04-6C95-442D-87EA-C566D47D79B7}"/>
+              </a:ext>
+            </a:extLst>
+          </p:cNvPr>
+          <p:cNvSpPr/>
+          <p:nvPr/>
+        </p:nvSpPr>
+        <p:spPr>
+          <a:xfrm>
+            <a:off x="461025" y="2083444"/>
+            <a:ext cx="11462390" cy="3785652"/>
+          </a:xfrm>
+          <a:prstGeom prst="rect">
+            <a:avLst/>
+          </a:prstGeom>
+        </p:spPr>
+        <p:txBody>
+          <a:bodyPr wrap="square">
+            <a:spAutoFit/>
+          </a:bodyPr>
+          <a:lstStyle/>
+          <a:p>
+            <a:r>
+              <a:rPr lang="ru-RU" sz="4000" dirty="0">
+                <a:solidFill>
+                  <a:schemeClr val="tx1">
+                    <a:lumMod val="95000"/>
+                    <a:lumOff val="5000"/>
+                  </a:schemeClr>
+                </a:solidFill>
+                <a:latin typeface="Yandex Sans Text Light" panose="02000000000000000000" pitchFamily="2" charset="-52"/>
+              </a:rPr>
+              <a:t>1)	</a:t>
+            </a:r>
+            <a:r>
+              <a:rPr lang="en-US" sz="4000" dirty="0">
+                <a:solidFill>
+                  <a:schemeClr val="tx1">
+                    <a:lumMod val="95000"/>
+                    <a:lumOff val="5000"/>
+                  </a:schemeClr>
+                </a:solidFill>
+                <a:latin typeface="Yandex Sans Text Light" panose="02000000000000000000" pitchFamily="2" charset="-52"/>
+              </a:rPr>
+              <a:t> </a:t>
+            </a:r>
+            <a:r>
+              <a:rPr lang="ru-RU" sz="4000" dirty="0">
+                <a:solidFill>
+                  <a:schemeClr val="tx1">
+                    <a:lumMod val="95000"/>
+                    <a:lumOff val="5000"/>
+                  </a:schemeClr>
+                </a:solidFill>
+                <a:latin typeface="Yandex Sans Text Light" panose="02000000000000000000" pitchFamily="2" charset="-52"/>
+              </a:rPr>
+              <a:t>Глобальный и локальный контекст</a:t>
+            </a:r>
+          </a:p>
+          <a:p>
+            <a:r>
+              <a:rPr lang="ru-RU" sz="4000" dirty="0">
+                <a:solidFill>
+                  <a:schemeClr val="tx1">
+                    <a:lumMod val="95000"/>
+                    <a:lumOff val="5000"/>
+                  </a:schemeClr>
+                </a:solidFill>
+                <a:latin typeface="Yandex Sans Text Light" panose="02000000000000000000" pitchFamily="2" charset="-52"/>
+              </a:rPr>
+              <a:t>2)</a:t>
+            </a:r>
+            <a:r>
+              <a:rPr lang="en-US" sz="4000" dirty="0">
+                <a:solidFill>
+                  <a:schemeClr val="tx1">
+                    <a:lumMod val="95000"/>
+                    <a:lumOff val="5000"/>
+                  </a:schemeClr>
+                </a:solidFill>
+                <a:latin typeface="Yandex Sans Text Light" panose="02000000000000000000" pitchFamily="2" charset="-52"/>
+              </a:rPr>
+              <a:t> </a:t>
+            </a:r>
+            <a:r>
+              <a:rPr lang="ru-RU" sz="4000" dirty="0">
+                <a:solidFill>
+                  <a:schemeClr val="tx1">
+                    <a:lumMod val="95000"/>
+                    <a:lumOff val="5000"/>
+                  </a:schemeClr>
+                </a:solidFill>
+                <a:latin typeface="Yandex Sans Text Light" panose="02000000000000000000" pitchFamily="2" charset="-52"/>
+              </a:rPr>
+              <a:t>Замыкания функций</a:t>
+            </a:r>
+          </a:p>
+          <a:p>
+            <a:r>
+              <a:rPr lang="ru-RU" sz="4000" dirty="0">
+                <a:solidFill>
+                  <a:schemeClr val="tx1">
+                    <a:lumMod val="95000"/>
+                    <a:lumOff val="5000"/>
+                  </a:schemeClr>
+                </a:solidFill>
+                <a:latin typeface="Yandex Sans Text Light" panose="02000000000000000000" pitchFamily="2" charset="-52"/>
+              </a:rPr>
+              <a:t>3)	</a:t>
+            </a:r>
+            <a:r>
+              <a:rPr lang="en-US" sz="4000" dirty="0">
+                <a:solidFill>
+                  <a:schemeClr val="tx1">
+                    <a:lumMod val="95000"/>
+                    <a:lumOff val="5000"/>
+                  </a:schemeClr>
+                </a:solidFill>
+                <a:latin typeface="Yandex Sans Text Light" panose="02000000000000000000" pitchFamily="2" charset="-52"/>
+              </a:rPr>
+              <a:t> </a:t>
+            </a:r>
+            <a:r>
+              <a:rPr lang="ru-RU" sz="4000" dirty="0">
+                <a:solidFill>
+                  <a:schemeClr val="tx1">
+                    <a:lumMod val="95000"/>
+                    <a:lumOff val="5000"/>
+                  </a:schemeClr>
+                </a:solidFill>
+                <a:latin typeface="Yandex Sans Text Light" panose="02000000000000000000" pitchFamily="2" charset="-52"/>
+              </a:rPr>
+              <a:t>Декораторы функций</a:t>
+            </a:r>
+          </a:p>
+          <a:p>
+            <a:r>
+              <a:rPr lang="ru-RU" sz="4000" dirty="0">
+                <a:solidFill>
+                  <a:schemeClr val="tx1">
+                    <a:lumMod val="95000"/>
+                    <a:lumOff val="5000"/>
+                  </a:schemeClr>
+                </a:solidFill>
+                <a:latin typeface="Yandex Sans Text Light" panose="02000000000000000000" pitchFamily="2" charset="-52"/>
+              </a:rPr>
+              <a:t>4)	</a:t>
+            </a:r>
+            <a:r>
+              <a:rPr lang="en-US" sz="4000" dirty="0">
+                <a:solidFill>
+                  <a:schemeClr val="tx1">
+                    <a:lumMod val="95000"/>
+                    <a:lumOff val="5000"/>
+                  </a:schemeClr>
+                </a:solidFill>
+                <a:latin typeface="Yandex Sans Text Light" panose="02000000000000000000" pitchFamily="2" charset="-52"/>
+              </a:rPr>
+              <a:t> </a:t>
+            </a:r>
+            <a:r>
+              <a:rPr lang="ru-RU" sz="4000" dirty="0">
+                <a:solidFill>
+                  <a:schemeClr val="tx1">
+                    <a:lumMod val="95000"/>
+                    <a:lumOff val="5000"/>
+                  </a:schemeClr>
+                </a:solidFill>
+                <a:latin typeface="Yandex Sans Text Light" panose="02000000000000000000" pitchFamily="2" charset="-52"/>
+              </a:rPr>
+              <a:t>Встроенные декораторы</a:t>
+            </a:r>
+          </a:p>
+          <a:p>
+            <a:r>
+              <a:rPr lang="ru-RU" sz="4000" dirty="0">
+                <a:solidFill>
+                  <a:schemeClr val="tx1">
+                    <a:lumMod val="95000"/>
+                    <a:lumOff val="5000"/>
+                  </a:schemeClr>
+                </a:solidFill>
+                <a:latin typeface="Yandex Sans Text Light" panose="02000000000000000000" pitchFamily="2" charset="-52"/>
+              </a:rPr>
+              <a:t>5)</a:t>
+            </a:r>
+            <a:r>
+              <a:rPr lang="en-US" sz="4000" dirty="0">
+                <a:solidFill>
+                  <a:schemeClr val="tx1">
+                    <a:lumMod val="95000"/>
+                    <a:lumOff val="5000"/>
+                  </a:schemeClr>
+                </a:solidFill>
+                <a:latin typeface="Yandex Sans Text Light" panose="02000000000000000000" pitchFamily="2" charset="-52"/>
+              </a:rPr>
+              <a:t> </a:t>
+            </a:r>
+            <a:r>
+              <a:rPr lang="ru-RU" sz="4000" dirty="0">
+                <a:solidFill>
+                  <a:schemeClr val="tx1">
+                    <a:lumMod val="95000"/>
+                    <a:lumOff val="5000"/>
+                  </a:schemeClr>
+                </a:solidFill>
+                <a:latin typeface="Yandex Sans Text Light" panose="02000000000000000000" pitchFamily="2" charset="-52"/>
+              </a:rPr>
+              <a:t>Функция-генератор. Оператор </a:t>
+            </a:r>
+            <a:r>
+              <a:rPr lang="ru-RU" sz="4000" dirty="0" err="1">
+                <a:solidFill>
+                  <a:schemeClr val="tx1">
+                    <a:lumMod val="95000"/>
+                    <a:lumOff val="5000"/>
+                  </a:schemeClr>
+                </a:solidFill>
+                <a:latin typeface="Yandex Sans Text Light" panose="02000000000000000000" pitchFamily="2" charset="-52"/>
+              </a:rPr>
+              <a:t>yield</a:t>
+            </a:r>
+            <a:endParaRPr lang="ru-RU" sz="4000" dirty="0">
+              <a:solidFill>
+                <a:schemeClr val="tx1">
+                  <a:lumMod val="95000"/>
+                  <a:lumOff val="5000"/>
+                </a:schemeClr>
+              </a:solidFill>
+              <a:latin typeface="Yandex Sans Text Light" panose="02000000000000000000" pitchFamily="2" charset="-52"/>
+            </a:endParaRPr>
+          </a:p>
+          <a:p>
+            <a:r>
+              <a:rPr lang="ru-RU" sz="4000" dirty="0">
+                <a:solidFill>
+                  <a:schemeClr val="tx1">
+                    <a:lumMod val="95000"/>
+                    <a:lumOff val="5000"/>
+                  </a:schemeClr>
+                </a:solidFill>
+                <a:latin typeface="Yandex Sans Text Light" panose="02000000000000000000" pitchFamily="2" charset="-52"/>
+              </a:rPr>
+              <a:t>6)	Практические задачи</a:t>
+            </a:r>
+          </a:p>
+        </p:txBody>
+      </p:sp>
+      <p:sp>
+        <p:nvSpPr>
+          <p:cNvPr id="7" name="Прямоугольник 6">
+            <a:extLst>
+              <a:ext uri="{FF2B5EF4-FFF2-40B4-BE49-F238E27FC236}">
+                <a16:creationId xmlns:a16="http://schemas.microsoft.com/office/drawing/2014/main" id="{E5C1123A-19BF-4882-9F66-D70C0F568C33}"/>
+              </a:ext>
+            </a:extLst>
+          </p:cNvPr>
+          <p:cNvSpPr/>
+          <p:nvPr/>
+        </p:nvSpPr>
+        <p:spPr>
+          <a:xfrm>
+            <a:off x="576404" y="145414"/>
+            <a:ext cx="7724334" cy="1569660"/>
+          </a:xfrm>
+          <a:prstGeom prst="rect">
+            <a:avLst/>
+          </a:prstGeom>
+        </p:spPr>
+        <p:txBody>
+          <a:bodyPr wrap="square">
+            <a:spAutoFit/>
+          </a:bodyPr>
+          <a:lstStyle/>
+          <a:p>
+            <a:pPr lvl="0" defTabSz="914400"/>
+            <a:r>
+              <a:rPr kumimoji="0" lang="ru-RU" sz="4800" b="1" i="0" u="none" strike="noStrike" kern="0" cap="none" spc="0" normalizeH="0" baseline="0" noProof="0" dirty="0">
+                <a:ln>
+                  <a:noFill/>
+                </a:ln>
+                <a:solidFill>
+                  <a:schemeClr val="tx1">
+                    <a:lumMod val="95000"/>
+                    <a:lumOff val="5000"/>
+                  </a:schemeClr>
+                </a:solidFill>
+                <a:effectLst/>
+                <a:uLnTx/>
+                <a:uFillTx/>
+                <a:latin typeface="Yandex Sans Text Light" panose="02000000000000000000" pitchFamily="2" charset="-52"/>
+              </a:rPr>
+              <a:t>Модуль </a:t>
+            </a:r>
+            <a:r>
+              <a:rPr kumimoji="0" lang="en-US" sz="4800" b="1" i="0" u="none" strike="noStrike" kern="0" cap="none" spc="0" normalizeH="0" baseline="0" noProof="0" dirty="0">
+                <a:ln>
+                  <a:noFill/>
+                </a:ln>
+                <a:solidFill>
+                  <a:schemeClr val="tx1">
+                    <a:lumMod val="95000"/>
+                    <a:lumOff val="5000"/>
+                  </a:schemeClr>
+                </a:solidFill>
+                <a:effectLst/>
+                <a:uLnTx/>
+                <a:uFillTx/>
+                <a:latin typeface="Yandex Sans Text Light" panose="02000000000000000000" pitchFamily="2" charset="-52"/>
+              </a:rPr>
+              <a:t>2</a:t>
+            </a:r>
+            <a:r>
+              <a:rPr lang="ru-RU" sz="4800" b="1" kern="0" dirty="0">
+                <a:solidFill>
+                  <a:schemeClr val="tx1">
+                    <a:lumMod val="95000"/>
+                    <a:lumOff val="5000"/>
+                  </a:schemeClr>
+                </a:solidFill>
+                <a:latin typeface="Yandex Sans Text Light" panose="02000000000000000000" pitchFamily="2" charset="-52"/>
+              </a:rPr>
+              <a:t>. Замыкания и функции декораторы</a:t>
+            </a:r>
+            <a:endParaRPr kumimoji="0" lang="ru-RU" sz="1800" b="0" i="0" u="none" strike="noStrike" kern="0" cap="none" spc="0" normalizeH="0" baseline="0" noProof="0" dirty="0">
+              <a:ln>
+                <a:noFill/>
+              </a:ln>
+              <a:solidFill>
+                <a:schemeClr val="tx1">
+                  <a:lumMod val="95000"/>
+                  <a:lumOff val="5000"/>
+                </a:schemeClr>
+              </a:solidFill>
+              <a:effectLst/>
+              <a:uLnTx/>
+              <a:uFillTx/>
+            </a:endParaRPr>
+          </a:p>
+        </p:txBody>
+      </p:sp>
+    </p:spTree>
+    <p:extLst>
+      <p:ext uri="{BB962C8B-B14F-4D97-AF65-F5344CB8AC3E}">
+        <p14:creationId xmlns:p14="http://schemas.microsoft.com/office/powerpoint/2010/main" val="3965210719"/>
+      </p:ext>
+    </p:extLst>
+  </p:cSld>
+  <p:clrMapOvr>
+    <a:masterClrMapping/>
+  </p:clrMapOvr>
+</p:sld>
+</file>
+
+<file path=ppt/slides/slide3.xml><?xml version="1.0" encoding="utf-8"?>
+<p:sld xmlns:a="http://schemas.openxmlformats.org/drawingml/2006/main" xmlns:r="http://schemas.openxmlformats.org/officeDocument/2006/relationships" xmlns:p="http://schemas.openxmlformats.org/presentationml/2006/main">
+  <p:cSld>
+    <p:spTree>
+      <p:nvGrpSpPr>
+        <p:cNvPr id="1" name=""/>
+        <p:cNvGrpSpPr/>
+        <p:nvPr/>
+      </p:nvGrpSpPr>
+      <p:grpSpPr>
+        <a:xfrm>
+          <a:off x="0" y="0"/>
+          <a:ext cx="0" cy="0"/>
+          <a:chOff x="0" y="0"/>
+          <a:chExt cx="0" cy="0"/>
+        </a:xfrm>
+      </p:grpSpPr>
+      <p:sp>
+        <p:nvSpPr>
+          <p:cNvPr id="2" name="Заголовок 1"/>
+          <p:cNvSpPr>
+            <a:spLocks noGrp="1"/>
+          </p:cNvSpPr>
+          <p:nvPr>
+            <p:ph type="title"/>
+          </p:nvPr>
+        </p:nvSpPr>
+        <p:spPr/>
+        <p:txBody>
+          <a:bodyPr/>
+          <a:lstStyle/>
+          <a:p>
+            <a:r>
+              <a:rPr lang="ru-RU" dirty="0"/>
+              <a:t>Области видимости переменных</a:t>
+            </a:r>
+          </a:p>
+        </p:txBody>
+      </p:sp>
+      <p:sp>
+        <p:nvSpPr>
+          <p:cNvPr id="3" name="Содержимое 2"/>
+          <p:cNvSpPr>
+            <a:spLocks noGrp="1"/>
+          </p:cNvSpPr>
+          <p:nvPr>
+            <p:ph idx="1"/>
+          </p:nvPr>
+        </p:nvSpPr>
+        <p:spPr>
+          <a:xfrm>
+            <a:off x="259904" y="953344"/>
+            <a:ext cx="10103296" cy="5904656"/>
+          </a:xfrm>
+        </p:spPr>
+        <p:txBody>
+          <a:bodyPr>
+            <a:normAutofit fontScale="85000" lnSpcReduction="20000"/>
+          </a:bodyPr>
+          <a:lstStyle/>
+          <a:p>
+            <a:pPr marL="360000" indent="-360000">
+              <a:lnSpc>
+                <a:spcPct val="90000"/>
+              </a:lnSpc>
+            </a:pPr>
+            <a:r>
+              <a:rPr lang="ru-RU" dirty="0"/>
+              <a:t>В </a:t>
+            </a:r>
+            <a:r>
+              <a:rPr lang="ru-RU" b="1" dirty="0" err="1"/>
+              <a:t>Python</a:t>
+            </a:r>
+            <a:r>
+              <a:rPr lang="ru-RU" dirty="0"/>
+              <a:t> три базовых области видимости переменных:</a:t>
+            </a:r>
+          </a:p>
+          <a:p>
+            <a:pPr marL="1080000" lvl="1" indent="-360000">
+              <a:lnSpc>
+                <a:spcPct val="90000"/>
+              </a:lnSpc>
+            </a:pPr>
+            <a:r>
+              <a:rPr lang="ru-RU" dirty="0"/>
+              <a:t>Глобальная</a:t>
+            </a:r>
+          </a:p>
+          <a:p>
+            <a:pPr marL="1080000" lvl="1" indent="-360000">
+              <a:lnSpc>
+                <a:spcPct val="90000"/>
+              </a:lnSpc>
+            </a:pPr>
+            <a:r>
+              <a:rPr lang="ru-RU" dirty="0"/>
+              <a:t>Локальная</a:t>
+            </a:r>
+            <a:endParaRPr lang="en-US" dirty="0"/>
+          </a:p>
+          <a:p>
+            <a:pPr marL="1080000" lvl="1" indent="-360000">
+              <a:lnSpc>
+                <a:spcPct val="90000"/>
+              </a:lnSpc>
+            </a:pPr>
+            <a:r>
+              <a:rPr lang="ru-RU" dirty="0"/>
+              <a:t>Нелокальная</a:t>
+            </a:r>
+          </a:p>
+          <a:p>
+            <a:pPr marL="360000" indent="-360000">
+              <a:lnSpc>
+                <a:spcPct val="90000"/>
+              </a:lnSpc>
+            </a:pPr>
+            <a:r>
+              <a:rPr lang="ru-RU" dirty="0"/>
+              <a:t>Переменные, объявленные </a:t>
+            </a:r>
+            <a:r>
+              <a:rPr lang="ru-RU" b="1" dirty="0">
+                <a:solidFill>
+                  <a:srgbClr val="FF0000"/>
+                </a:solidFill>
+              </a:rPr>
+              <a:t>внутри</a:t>
+            </a:r>
+            <a:r>
+              <a:rPr lang="ru-RU" dirty="0"/>
+              <a:t> тела функции, имеют локальную область видимости, а объявленные </a:t>
+            </a:r>
+            <a:r>
+              <a:rPr lang="ru-RU" b="1" dirty="0">
+                <a:solidFill>
+                  <a:srgbClr val="FF0000"/>
+                </a:solidFill>
+              </a:rPr>
+              <a:t>вне</a:t>
+            </a:r>
+            <a:r>
+              <a:rPr lang="ru-RU" dirty="0"/>
+              <a:t> тела функции, имеют глобальную область видимости.</a:t>
+            </a:r>
+          </a:p>
+          <a:p>
+            <a:pPr marL="360000" indent="-360000">
+              <a:lnSpc>
+                <a:spcPct val="90000"/>
+              </a:lnSpc>
+            </a:pPr>
+            <a:r>
+              <a:rPr lang="ru-RU" dirty="0"/>
+              <a:t>Доступ к локальным переменным имеют только те функции, внутри которых они были объявлены, а доступ к глобальным переменным можно получить по всей программе в любой функции.</a:t>
+            </a:r>
+          </a:p>
+          <a:p>
+            <a:pPr marL="360000" indent="-360000">
+              <a:lnSpc>
+                <a:spcPct val="90000"/>
+              </a:lnSpc>
+            </a:pPr>
+            <a:r>
+              <a:rPr lang="ru-RU" dirty="0"/>
+              <a:t>По умолчанию все имена, присваивание которым производится внутри функций, являются </a:t>
+            </a:r>
+            <a:r>
+              <a:rPr lang="ru-RU" b="1" dirty="0">
+                <a:solidFill>
+                  <a:srgbClr val="FF0000"/>
+                </a:solidFill>
+              </a:rPr>
+              <a:t>локальными</a:t>
+            </a:r>
+            <a:r>
+              <a:rPr lang="ru-RU" dirty="0"/>
+              <a:t> для этих функций и существуют только во время их выполнения.</a:t>
+            </a:r>
+          </a:p>
+          <a:p>
+            <a:pPr lvl="2">
+              <a:lnSpc>
+                <a:spcPct val="90000"/>
+              </a:lnSpc>
+              <a:buNone/>
+            </a:pPr>
+            <a:endParaRPr lang="ru-RU" dirty="0"/>
+          </a:p>
+        </p:txBody>
+      </p:sp>
+      <p:sp>
+        <p:nvSpPr>
+          <p:cNvPr id="4" name="Номер слайда 3"/>
+          <p:cNvSpPr>
+            <a:spLocks noGrp="1"/>
+          </p:cNvSpPr>
+          <p:nvPr>
+            <p:ph type="sldNum" sz="quarter" idx="12"/>
+          </p:nvPr>
+        </p:nvSpPr>
+        <p:spPr/>
+        <p:txBody>
+          <a:bodyPr/>
+          <a:lstStyle/>
+          <a:p>
+            <a:fld id="{725C68B6-61C2-468F-89AB-4B9F7531AA68}" type="slidenum">
+              <a:rPr lang="ru-RU" smtClean="0"/>
+              <a:pPr/>
+              <a:t>3</a:t>
+            </a:fld>
+            <a:endParaRPr lang="ru-RU"/>
+          </a:p>
+        </p:txBody>
+      </p:sp>
+    </p:spTree>
+  </p:cSld>
+  <p:clrMapOvr>
+    <a:masterClrMapping/>
+  </p:clrMapOvr>
+</p:sld>
+</file>
+
+<file path=ppt/slides/slide4.xml><?xml version="1.0" encoding="utf-8"?>
+<p:sld xmlns:a="http://schemas.openxmlformats.org/drawingml/2006/main" xmlns:r="http://schemas.openxmlformats.org/officeDocument/2006/relationships" xmlns:p="http://schemas.openxmlformats.org/presentationml/2006/main">
+  <p:cSld>
+    <p:spTree>
+      <p:nvGrpSpPr>
+        <p:cNvPr id="1" name=""/>
+        <p:cNvGrpSpPr/>
+        <p:nvPr/>
+      </p:nvGrpSpPr>
+      <p:grpSpPr>
+        <a:xfrm>
+          <a:off x="0" y="0"/>
+          <a:ext cx="0" cy="0"/>
+          <a:chOff x="0" y="0"/>
+          <a:chExt cx="0" cy="0"/>
+        </a:xfrm>
+      </p:grpSpPr>
+      <p:sp>
+        <p:nvSpPr>
+          <p:cNvPr id="2" name="Заголовок 1"/>
+          <p:cNvSpPr>
+            <a:spLocks noGrp="1"/>
+          </p:cNvSpPr>
+          <p:nvPr>
+            <p:ph type="title"/>
+          </p:nvPr>
+        </p:nvSpPr>
+        <p:spPr>
+          <a:xfrm>
+            <a:off x="279400" y="260648"/>
+            <a:ext cx="10388600" cy="620688"/>
+          </a:xfrm>
+        </p:spPr>
+        <p:txBody>
+          <a:bodyPr/>
+          <a:lstStyle/>
+          <a:p>
+            <a:r>
+              <a:rPr lang="ru-RU" dirty="0"/>
+              <a:t>Пример локальных и глобальных переменных</a:t>
+            </a:r>
+          </a:p>
+        </p:txBody>
+      </p:sp>
+      <p:sp>
+        <p:nvSpPr>
+          <p:cNvPr id="3" name="Содержимое 2"/>
+          <p:cNvSpPr>
+            <a:spLocks noGrp="1"/>
+          </p:cNvSpPr>
+          <p:nvPr>
+            <p:ph idx="1"/>
+          </p:nvPr>
+        </p:nvSpPr>
+        <p:spPr>
+          <a:xfrm>
+            <a:off x="409352" y="2200408"/>
+            <a:ext cx="10128696" cy="4968552"/>
+          </a:xfrm>
+        </p:spPr>
+        <p:txBody>
+          <a:bodyPr/>
+          <a:lstStyle/>
+          <a:p>
+            <a:pPr>
+              <a:buNone/>
+            </a:pPr>
+            <a:r>
+              <a:rPr lang="en-US" sz="2800" b="1" i="1" dirty="0"/>
+              <a:t>t = 20</a:t>
+            </a:r>
+            <a:br>
+              <a:rPr lang="en-US" sz="2800" b="1" i="1" dirty="0"/>
+            </a:br>
+            <a:r>
+              <a:rPr lang="en-US" sz="2800" b="1" i="1" dirty="0"/>
+              <a:t>def glob():</a:t>
+            </a:r>
+            <a:br>
+              <a:rPr lang="en-US" sz="2800" b="1" i="1" dirty="0"/>
+            </a:br>
+            <a:r>
+              <a:rPr lang="en-US" sz="2800" b="1" i="1" dirty="0"/>
+              <a:t>    print(t)  	</a:t>
+            </a:r>
+            <a:r>
+              <a:rPr lang="en-US" sz="2800" b="1" i="1" dirty="0">
+                <a:solidFill>
+                  <a:srgbClr val="00B050"/>
+                </a:solidFill>
+              </a:rPr>
+              <a:t># </a:t>
+            </a:r>
+            <a:r>
+              <a:rPr lang="ru-RU" sz="2800" b="1" i="1" dirty="0">
+                <a:solidFill>
+                  <a:srgbClr val="00B050"/>
+                </a:solidFill>
+              </a:rPr>
+              <a:t>Печатаем глобальную переменную </a:t>
+            </a:r>
+            <a:r>
+              <a:rPr lang="en-US" sz="2800" b="1" i="1" dirty="0">
+                <a:solidFill>
+                  <a:srgbClr val="00B050"/>
+                </a:solidFill>
+              </a:rPr>
+              <a:t>t</a:t>
+            </a:r>
+            <a:br>
+              <a:rPr lang="en-US" sz="2800" b="1" i="1" dirty="0">
+                <a:solidFill>
+                  <a:srgbClr val="00B050"/>
+                </a:solidFill>
+              </a:rPr>
+            </a:br>
+            <a:r>
+              <a:rPr lang="en-US" sz="2800" b="1" i="1" dirty="0"/>
+              <a:t>def loc():</a:t>
+            </a:r>
+            <a:br>
+              <a:rPr lang="en-US" sz="2800" b="1" i="1" dirty="0"/>
+            </a:br>
+            <a:r>
+              <a:rPr lang="en-US" sz="2800" b="1" i="1" dirty="0"/>
+              <a:t>    t = 22  	</a:t>
+            </a:r>
+            <a:r>
+              <a:rPr lang="en-US" sz="2800" b="1" i="1" dirty="0">
+                <a:solidFill>
+                  <a:srgbClr val="00B050"/>
+                </a:solidFill>
+              </a:rPr>
+              <a:t># </a:t>
+            </a:r>
+            <a:r>
+              <a:rPr lang="ru-RU" sz="2800" b="1" i="1" dirty="0">
+                <a:solidFill>
+                  <a:srgbClr val="00B050"/>
+                </a:solidFill>
+              </a:rPr>
+              <a:t>Создаем локальную переменную </a:t>
+            </a:r>
+            <a:r>
+              <a:rPr lang="en-US" sz="2800" b="1" i="1" dirty="0">
+                <a:solidFill>
+                  <a:srgbClr val="00B050"/>
+                </a:solidFill>
+              </a:rPr>
+              <a:t>t</a:t>
+            </a:r>
+            <a:br>
+              <a:rPr lang="en-US" sz="2800" b="1" i="1" dirty="0"/>
+            </a:br>
+            <a:r>
+              <a:rPr lang="en-US" sz="2800" b="1" i="1" dirty="0"/>
+              <a:t>    print(t) 	</a:t>
+            </a:r>
+            <a:r>
+              <a:rPr lang="en-US" sz="2800" b="1" i="1" dirty="0">
+                <a:solidFill>
+                  <a:srgbClr val="00B050"/>
+                </a:solidFill>
+              </a:rPr>
+              <a:t># </a:t>
+            </a:r>
+            <a:r>
+              <a:rPr lang="ru-RU" sz="2800" b="1" i="1" dirty="0">
+                <a:solidFill>
+                  <a:srgbClr val="00B050"/>
+                </a:solidFill>
+              </a:rPr>
+              <a:t>Печатаем локальную переменную </a:t>
+            </a:r>
+            <a:r>
+              <a:rPr lang="en-US" sz="2800" b="1" i="1" dirty="0">
+                <a:solidFill>
+                  <a:srgbClr val="00B050"/>
+                </a:solidFill>
+              </a:rPr>
+              <a:t>t</a:t>
+            </a:r>
+            <a:br>
+              <a:rPr lang="en-US" sz="2800" b="1" i="1" dirty="0"/>
+            </a:br>
+            <a:r>
+              <a:rPr lang="en-US" sz="2800" b="1" i="1" dirty="0"/>
+              <a:t>glob()  	</a:t>
+            </a:r>
+            <a:r>
+              <a:rPr lang="en-US" sz="2800" b="1" i="1" dirty="0">
+                <a:solidFill>
+                  <a:srgbClr val="00B050"/>
+                </a:solidFill>
+              </a:rPr>
+              <a:t># </a:t>
+            </a:r>
+            <a:r>
+              <a:rPr lang="ru-RU" sz="2800" b="1" i="1" dirty="0">
+                <a:solidFill>
+                  <a:srgbClr val="00B050"/>
+                </a:solidFill>
+              </a:rPr>
+              <a:t>напечатает 20</a:t>
+            </a:r>
+            <a:br>
+              <a:rPr lang="ru-RU" sz="2800" b="1" i="1" dirty="0"/>
+            </a:br>
+            <a:r>
+              <a:rPr lang="en-US" sz="2800" b="1" i="1" dirty="0"/>
+              <a:t>loc()  	</a:t>
+            </a:r>
+            <a:r>
+              <a:rPr lang="en-US" sz="2800" b="1" i="1" dirty="0">
+                <a:solidFill>
+                  <a:srgbClr val="00B050"/>
+                </a:solidFill>
+              </a:rPr>
+              <a:t># </a:t>
+            </a:r>
+            <a:r>
+              <a:rPr lang="ru-RU" sz="2800" b="1" i="1" dirty="0">
+                <a:solidFill>
+                  <a:srgbClr val="00B050"/>
+                </a:solidFill>
+              </a:rPr>
+              <a:t>напечатает 22</a:t>
+            </a:r>
+          </a:p>
+        </p:txBody>
+      </p:sp>
+      <p:sp>
+        <p:nvSpPr>
+          <p:cNvPr id="4" name="Номер слайда 3"/>
+          <p:cNvSpPr>
+            <a:spLocks noGrp="1"/>
+          </p:cNvSpPr>
+          <p:nvPr>
+            <p:ph type="sldNum" sz="quarter" idx="12"/>
+          </p:nvPr>
+        </p:nvSpPr>
+        <p:spPr/>
+        <p:txBody>
+          <a:bodyPr/>
+          <a:lstStyle/>
+          <a:p>
+            <a:fld id="{725C68B6-61C2-468F-89AB-4B9F7531AA68}" type="slidenum">
+              <a:rPr lang="ru-RU" smtClean="0"/>
+              <a:pPr/>
+              <a:t>4</a:t>
+            </a:fld>
+            <a:endParaRPr lang="ru-RU"/>
+          </a:p>
+        </p:txBody>
+      </p:sp>
+    </p:spTree>
+  </p:cSld>
+  <p:clrMapOvr>
+    <a:masterClrMapping/>
+  </p:clrMapOvr>
+</p:sld>
+</file>
+
+<file path=ppt/slides/slide5.xml><?xml version="1.0" encoding="utf-8"?>
+<p:sld xmlns:a="http://schemas.openxmlformats.org/drawingml/2006/main" xmlns:r="http://schemas.openxmlformats.org/officeDocument/2006/relationships" xmlns:p="http://schemas.openxmlformats.org/presentationml/2006/main">
+  <p:cSld>
+    <p:spTree>
+      <p:nvGrpSpPr>
+        <p:cNvPr id="1" name=""/>
+        <p:cNvGrpSpPr/>
+        <p:nvPr/>
+      </p:nvGrpSpPr>
+      <p:grpSpPr>
+        <a:xfrm>
+          <a:off x="0" y="0"/>
+          <a:ext cx="0" cy="0"/>
+          <a:chOff x="0" y="0"/>
+          <a:chExt cx="0" cy="0"/>
+        </a:xfrm>
+      </p:grpSpPr>
+      <p:sp>
+        <p:nvSpPr>
+          <p:cNvPr id="2" name="Заголовок 1"/>
+          <p:cNvSpPr>
+            <a:spLocks noGrp="1"/>
+          </p:cNvSpPr>
+          <p:nvPr>
+            <p:ph type="title"/>
+          </p:nvPr>
+        </p:nvSpPr>
+        <p:spPr/>
+        <p:txBody>
+          <a:bodyPr/>
+          <a:lstStyle/>
+          <a:p>
+            <a:r>
+              <a:rPr lang="ru-RU" sz="4200" dirty="0"/>
+              <a:t>Изменение глобальных переменных</a:t>
+            </a:r>
+          </a:p>
+        </p:txBody>
+      </p:sp>
+      <p:sp>
+        <p:nvSpPr>
+          <p:cNvPr id="3" name="Содержимое 2"/>
+          <p:cNvSpPr>
+            <a:spLocks noGrp="1"/>
+          </p:cNvSpPr>
+          <p:nvPr>
+            <p:ph idx="1"/>
+          </p:nvPr>
+        </p:nvSpPr>
+        <p:spPr>
+          <a:xfrm>
+            <a:off x="143338" y="1567384"/>
+            <a:ext cx="11905323" cy="5544616"/>
+          </a:xfrm>
+        </p:spPr>
+        <p:txBody>
+          <a:bodyPr/>
+          <a:lstStyle/>
+          <a:p>
+            <a:pPr marL="360000" indent="-360000"/>
+            <a:r>
+              <a:rPr lang="ru-RU" sz="3200" dirty="0"/>
+              <a:t>Изменить глобальную переменную внутри функции нельзя, если она не задана с помощью ключевого слова </a:t>
+            </a:r>
+            <a:r>
+              <a:rPr lang="en-US" sz="3200" b="1" i="1" dirty="0"/>
+              <a:t>global.</a:t>
+            </a:r>
+            <a:endParaRPr lang="ru-RU" sz="3200" b="1" i="1" dirty="0"/>
+          </a:p>
+          <a:p>
+            <a:pPr marL="360000" indent="-360000"/>
+            <a:endParaRPr lang="en-US" sz="3200" b="1" i="1" dirty="0"/>
+          </a:p>
+          <a:p>
+            <a:pPr marL="360000" indent="-360000">
+              <a:buNone/>
+            </a:pPr>
+            <a:r>
+              <a:rPr lang="en-US" sz="3200" b="1" i="1" dirty="0"/>
+              <a:t>t = 20</a:t>
+            </a:r>
+          </a:p>
+          <a:p>
+            <a:pPr marL="360000" indent="-360000">
+              <a:buNone/>
+            </a:pPr>
+            <a:r>
+              <a:rPr lang="en-US" sz="3200" b="1" i="1" dirty="0"/>
+              <a:t>def glob():</a:t>
+            </a:r>
+          </a:p>
+          <a:p>
+            <a:pPr marL="360000" indent="-360000">
+              <a:buNone/>
+            </a:pPr>
+            <a:r>
+              <a:rPr lang="en-US" sz="3200" b="1" i="1" dirty="0"/>
+              <a:t>	global t 	</a:t>
+            </a:r>
+            <a:r>
+              <a:rPr lang="en-US" sz="3200" b="1" i="1" dirty="0">
+                <a:solidFill>
+                  <a:srgbClr val="00B050"/>
+                </a:solidFill>
+              </a:rPr>
+              <a:t># </a:t>
+            </a:r>
+            <a:r>
+              <a:rPr lang="ru-RU" sz="3200" b="1" i="1" dirty="0">
+                <a:solidFill>
+                  <a:srgbClr val="00B050"/>
+                </a:solidFill>
+              </a:rPr>
+              <a:t>доступ к глобальной переменной </a:t>
+            </a:r>
+            <a:r>
+              <a:rPr lang="en-US" sz="3200" b="1" i="1" dirty="0">
+                <a:solidFill>
+                  <a:srgbClr val="00B050"/>
+                </a:solidFill>
+              </a:rPr>
+              <a:t>t</a:t>
+            </a:r>
+            <a:br>
+              <a:rPr lang="en-US" sz="3200" b="1" i="1" dirty="0">
+                <a:solidFill>
+                  <a:srgbClr val="00B050"/>
+                </a:solidFill>
+              </a:rPr>
+            </a:br>
+            <a:r>
+              <a:rPr lang="en-US" sz="3200" b="1" i="1" dirty="0"/>
+              <a:t>t+=1</a:t>
+            </a:r>
+            <a:br>
+              <a:rPr lang="en-US" sz="3200" b="1" i="1" dirty="0"/>
+            </a:br>
+            <a:r>
+              <a:rPr lang="en-US" sz="3200" b="1" i="1" dirty="0"/>
+              <a:t>print(t)  	</a:t>
+            </a:r>
+            <a:r>
+              <a:rPr lang="en-US" sz="3200" b="1" i="1" dirty="0">
+                <a:solidFill>
+                  <a:srgbClr val="00B050"/>
+                </a:solidFill>
+              </a:rPr>
+              <a:t># </a:t>
+            </a:r>
+            <a:r>
+              <a:rPr lang="ru-RU" sz="3200" b="1" i="1" dirty="0">
+                <a:solidFill>
+                  <a:srgbClr val="00B050"/>
+                </a:solidFill>
+              </a:rPr>
+              <a:t>Печатаем глобальную переменную </a:t>
+            </a:r>
+            <a:r>
+              <a:rPr lang="en-US" sz="3200" b="1" i="1" dirty="0">
+                <a:solidFill>
+                  <a:srgbClr val="00B050"/>
+                </a:solidFill>
+              </a:rPr>
+              <a:t>t</a:t>
+            </a:r>
+          </a:p>
+          <a:p>
+            <a:pPr marL="360000" indent="-360000">
+              <a:buNone/>
+            </a:pPr>
+            <a:r>
+              <a:rPr lang="en-US" sz="3200" b="1" i="1" dirty="0"/>
+              <a:t>glob()  	</a:t>
+            </a:r>
+            <a:r>
+              <a:rPr lang="en-US" sz="3200" b="1" i="1" dirty="0">
+                <a:solidFill>
+                  <a:srgbClr val="00B050"/>
+                </a:solidFill>
+              </a:rPr>
+              <a:t># </a:t>
+            </a:r>
+            <a:r>
+              <a:rPr lang="ru-RU" sz="3200" b="1" i="1" dirty="0">
+                <a:solidFill>
+                  <a:srgbClr val="00B050"/>
+                </a:solidFill>
+              </a:rPr>
+              <a:t>напечатает 2</a:t>
+            </a:r>
+            <a:r>
+              <a:rPr lang="en-US" sz="3200" b="1" i="1" dirty="0">
+                <a:solidFill>
+                  <a:srgbClr val="00B050"/>
+                </a:solidFill>
+              </a:rPr>
+              <a:t>1</a:t>
+            </a:r>
+            <a:endParaRPr lang="ru-RU" sz="3200" b="1" i="1" dirty="0">
+              <a:solidFill>
+                <a:srgbClr val="00B050"/>
+              </a:solidFill>
+            </a:endParaRPr>
+          </a:p>
+        </p:txBody>
+      </p:sp>
+      <p:sp>
+        <p:nvSpPr>
+          <p:cNvPr id="4" name="Номер слайда 3"/>
+          <p:cNvSpPr>
+            <a:spLocks noGrp="1"/>
+          </p:cNvSpPr>
+          <p:nvPr>
+            <p:ph type="sldNum" sz="quarter" idx="12"/>
+          </p:nvPr>
+        </p:nvSpPr>
+        <p:spPr/>
+        <p:txBody>
+          <a:bodyPr/>
+          <a:lstStyle/>
+          <a:p>
+            <a:fld id="{725C68B6-61C2-468F-89AB-4B9F7531AA68}" type="slidenum">
+              <a:rPr lang="ru-RU" smtClean="0"/>
+              <a:pPr/>
+              <a:t>5</a:t>
+            </a:fld>
+            <a:endParaRPr lang="ru-RU"/>
+          </a:p>
+        </p:txBody>
+      </p:sp>
+    </p:spTree>
+  </p:cSld>
+  <p:clrMapOvr>
+    <a:masterClrMapping/>
+  </p:clrMapOvr>
+</p:sld>
+</file>
+
+<file path=ppt/slides/slide6.xml><?xml version="1.0" encoding="utf-8"?>
+<p:sld xmlns:a="http://schemas.openxmlformats.org/drawingml/2006/main" xmlns:r="http://schemas.openxmlformats.org/officeDocument/2006/relationships" xmlns:p="http://schemas.openxmlformats.org/presentationml/2006/main">
+  <p:cSld>
+    <p:spTree>
+      <p:nvGrpSpPr>
+        <p:cNvPr id="1" name=""/>
+        <p:cNvGrpSpPr/>
+        <p:nvPr/>
+      </p:nvGrpSpPr>
+      <p:grpSpPr>
+        <a:xfrm>
+          <a:off x="0" y="0"/>
+          <a:ext cx="0" cy="0"/>
+          <a:chOff x="0" y="0"/>
+          <a:chExt cx="0" cy="0"/>
+        </a:xfrm>
+      </p:grpSpPr>
+      <p:sp>
+        <p:nvSpPr>
+          <p:cNvPr id="2" name="Заголовок 1"/>
+          <p:cNvSpPr>
+            <a:spLocks noGrp="1"/>
+          </p:cNvSpPr>
+          <p:nvPr>
+            <p:ph type="title"/>
+          </p:nvPr>
+        </p:nvSpPr>
+        <p:spPr/>
+        <p:txBody>
+          <a:bodyPr/>
+          <a:lstStyle/>
+          <a:p>
+            <a:r>
+              <a:rPr lang="en-US" dirty="0"/>
+              <a:t>nonlocal</a:t>
+            </a:r>
+            <a:endParaRPr lang="ru-RU" dirty="0"/>
+          </a:p>
+        </p:txBody>
+      </p:sp>
+      <p:sp>
+        <p:nvSpPr>
+          <p:cNvPr id="3" name="Содержимое 2"/>
+          <p:cNvSpPr>
+            <a:spLocks noGrp="1"/>
+          </p:cNvSpPr>
+          <p:nvPr>
+            <p:ph idx="1"/>
+          </p:nvPr>
+        </p:nvSpPr>
+        <p:spPr>
+          <a:xfrm>
+            <a:off x="368300" y="1336204"/>
+            <a:ext cx="10985140" cy="5976664"/>
+          </a:xfrm>
+        </p:spPr>
+        <p:txBody>
+          <a:bodyPr>
+            <a:normAutofit/>
+          </a:bodyPr>
+          <a:lstStyle/>
+          <a:p>
+            <a:r>
+              <a:rPr lang="ru-RU" sz="2000" dirty="0"/>
+              <a:t>В </a:t>
+            </a:r>
+            <a:r>
+              <a:rPr lang="ru-RU" sz="2000" dirty="0" err="1"/>
+              <a:t>Python</a:t>
+            </a:r>
+            <a:r>
+              <a:rPr lang="ru-RU" sz="2000" dirty="0"/>
+              <a:t> 3 было добавлено новое ключевое слово под названием </a:t>
+            </a:r>
+            <a:r>
+              <a:rPr lang="ru-RU" sz="2000" b="1" i="1" dirty="0" err="1"/>
+              <a:t>nonlocal</a:t>
+            </a:r>
+            <a:r>
+              <a:rPr lang="ru-RU" sz="2000" dirty="0"/>
+              <a:t>. С его помощью возможно добавлять переопределение области во внутреннюю область. дополнительно см. </a:t>
+            </a:r>
+            <a:r>
+              <a:rPr lang="ru-RU" sz="2000" b="1" dirty="0"/>
+              <a:t>PEP 3104</a:t>
+            </a:r>
+            <a:r>
+              <a:rPr lang="ru-RU" sz="2000" dirty="0"/>
+              <a:t>.</a:t>
+            </a:r>
+          </a:p>
+          <a:p>
+            <a:endParaRPr lang="ru-RU" sz="2000" dirty="0"/>
+          </a:p>
+          <a:p>
+            <a:pPr>
+              <a:lnSpc>
+                <a:spcPct val="100000"/>
+              </a:lnSpc>
+            </a:pPr>
+            <a:r>
+              <a:rPr lang="ru-RU" sz="2000" b="1" dirty="0" err="1"/>
+              <a:t>nonlocal</a:t>
+            </a:r>
+            <a:r>
+              <a:rPr lang="ru-RU" sz="2000" dirty="0"/>
+              <a:t> позволяет назначать переменные во </a:t>
+            </a:r>
+            <a:r>
+              <a:rPr lang="ru-RU" sz="2000" b="1" dirty="0"/>
+              <a:t>внешней области</a:t>
+            </a:r>
+            <a:r>
+              <a:rPr lang="ru-RU" sz="2000" dirty="0"/>
+              <a:t>, но не в глобальной.</a:t>
+            </a:r>
+          </a:p>
+          <a:p>
+            <a:pPr>
+              <a:lnSpc>
+                <a:spcPct val="100000"/>
+              </a:lnSpc>
+            </a:pPr>
+            <a:endParaRPr lang="ru-RU" sz="2000" dirty="0"/>
+          </a:p>
+          <a:p>
+            <a:pPr>
+              <a:buNone/>
+            </a:pPr>
+            <a:r>
+              <a:rPr lang="en-US" sz="2000" b="1" i="1" dirty="0"/>
+              <a:t>def counter():</a:t>
+            </a:r>
+            <a:r>
+              <a:rPr lang="ru-RU" sz="2000" b="1" i="1" dirty="0"/>
+              <a:t> </a:t>
+            </a:r>
+            <a:br>
+              <a:rPr lang="en-US" sz="2000" b="1" i="1" dirty="0"/>
+            </a:br>
+            <a:r>
+              <a:rPr lang="en-US" sz="2000" b="1" i="1" dirty="0"/>
+              <a:t>    num = 0</a:t>
+            </a:r>
+            <a:br>
+              <a:rPr lang="en-US" sz="2000" b="1" i="1" dirty="0"/>
+            </a:br>
+            <a:r>
+              <a:rPr lang="en-US" sz="2000" b="1" i="1" dirty="0"/>
+              <a:t>    def </a:t>
+            </a:r>
+            <a:r>
+              <a:rPr lang="en-US" sz="2000" b="1" i="1" dirty="0" err="1"/>
+              <a:t>incrementer</a:t>
+            </a:r>
+            <a:r>
+              <a:rPr lang="en-US" sz="2000" b="1" i="1" dirty="0"/>
+              <a:t>():</a:t>
+            </a:r>
+            <a:br>
+              <a:rPr lang="en-US" sz="2000" b="1" i="1" dirty="0"/>
+            </a:br>
+            <a:r>
+              <a:rPr lang="en-US" sz="2000" b="1" i="1" dirty="0"/>
+              <a:t>        num += 1</a:t>
+            </a:r>
+            <a:r>
+              <a:rPr lang="ru-RU" sz="2000" b="1" i="1" dirty="0"/>
+              <a:t>	</a:t>
+            </a:r>
+            <a:r>
+              <a:rPr lang="en-US" sz="2000" b="1" i="1" dirty="0">
+                <a:solidFill>
+                  <a:srgbClr val="00B050"/>
+                </a:solidFill>
+              </a:rPr>
+              <a:t>#</a:t>
+            </a:r>
+            <a:r>
+              <a:rPr lang="ru-RU" sz="2000" b="1" i="1" dirty="0">
+                <a:solidFill>
+                  <a:srgbClr val="00B050"/>
+                </a:solidFill>
+              </a:rPr>
+              <a:t> Неправильно!</a:t>
+            </a:r>
+            <a:br>
+              <a:rPr lang="en-US" sz="2000" b="1" i="1" dirty="0"/>
+            </a:br>
+            <a:r>
+              <a:rPr lang="en-US" sz="2000" b="1" i="1" dirty="0"/>
+              <a:t>        return num</a:t>
+            </a:r>
+            <a:br>
+              <a:rPr lang="en-US" sz="2000" b="1" i="1" dirty="0"/>
+            </a:br>
+            <a:r>
+              <a:rPr lang="en-US" sz="2000" b="1" i="1" dirty="0"/>
+              <a:t>    return </a:t>
+            </a:r>
+            <a:r>
+              <a:rPr lang="en-US" sz="2000" b="1" i="1" dirty="0" err="1"/>
+              <a:t>incrementer</a:t>
+            </a:r>
+            <a:endParaRPr lang="ru-RU" sz="2000" b="1" i="1" dirty="0"/>
+          </a:p>
+          <a:p>
+            <a:pPr>
+              <a:buNone/>
+            </a:pPr>
+            <a:r>
+              <a:rPr lang="pt-BR" sz="2000" b="1" i="1" dirty="0"/>
+              <a:t>def counter():</a:t>
+            </a:r>
+            <a:br>
+              <a:rPr lang="pt-BR" sz="2000" b="1" i="1" dirty="0"/>
+            </a:br>
+            <a:r>
+              <a:rPr lang="pt-BR" sz="2000" b="1" i="1" dirty="0"/>
+              <a:t>    num = 0</a:t>
+            </a:r>
+            <a:br>
+              <a:rPr lang="pt-BR" sz="2000" b="1" i="1" dirty="0"/>
+            </a:br>
+            <a:r>
+              <a:rPr lang="pt-BR" sz="2000" b="1" i="1" dirty="0"/>
+              <a:t>    def incrementer():</a:t>
+            </a:r>
+            <a:br>
+              <a:rPr lang="pt-BR" sz="2000" b="1" i="1" dirty="0"/>
+            </a:br>
+            <a:r>
+              <a:rPr lang="pt-BR" sz="2000" b="1" i="1" dirty="0"/>
+              <a:t>        nonlocal num</a:t>
+            </a:r>
+            <a:r>
+              <a:rPr lang="ru-RU" sz="2000" b="1" i="1" dirty="0"/>
+              <a:t> </a:t>
+            </a:r>
+            <a:r>
+              <a:rPr lang="en-US" sz="2000" b="1" i="1" dirty="0">
+                <a:solidFill>
+                  <a:srgbClr val="FF0000"/>
+                </a:solidFill>
+              </a:rPr>
+              <a:t>#</a:t>
+            </a:r>
+            <a:r>
+              <a:rPr lang="ru-RU" sz="2000" b="1" i="1" dirty="0">
+                <a:solidFill>
+                  <a:srgbClr val="FF0000"/>
+                </a:solidFill>
+              </a:rPr>
+              <a:t> Правильно! </a:t>
+            </a:r>
+            <a:br>
+              <a:rPr lang="pt-BR" sz="2000" b="1" i="1" dirty="0"/>
+            </a:br>
+            <a:r>
+              <a:rPr lang="pt-BR" sz="2000" b="1" i="1" dirty="0"/>
+              <a:t>        num += 1</a:t>
+            </a:r>
+            <a:br>
+              <a:rPr lang="pt-BR" sz="2000" b="1" i="1" dirty="0"/>
+            </a:br>
+            <a:r>
+              <a:rPr lang="pt-BR" sz="2000" b="1" i="1" dirty="0"/>
+              <a:t>        return num</a:t>
+            </a:r>
+            <a:br>
+              <a:rPr lang="pt-BR" sz="2000" b="1" i="1" dirty="0"/>
+            </a:br>
+            <a:r>
+              <a:rPr lang="pt-BR" sz="2000" b="1" i="1" dirty="0"/>
+              <a:t>    return incrementer</a:t>
+            </a:r>
+            <a:endParaRPr lang="ru-RU" sz="2000" b="1" i="1" dirty="0"/>
+          </a:p>
+        </p:txBody>
+      </p:sp>
+      <p:sp>
+        <p:nvSpPr>
+          <p:cNvPr id="4" name="Номер слайда 3"/>
+          <p:cNvSpPr>
+            <a:spLocks noGrp="1"/>
+          </p:cNvSpPr>
+          <p:nvPr>
+            <p:ph type="sldNum" sz="quarter" idx="12"/>
+          </p:nvPr>
+        </p:nvSpPr>
+        <p:spPr/>
+        <p:txBody>
+          <a:bodyPr/>
+          <a:lstStyle/>
+          <a:p>
+            <a:fld id="{725C68B6-61C2-468F-89AB-4B9F7531AA68}" type="slidenum">
+              <a:rPr lang="ru-RU" smtClean="0"/>
+              <a:pPr/>
+              <a:t>6</a:t>
+            </a:fld>
+            <a:endParaRPr lang="ru-RU"/>
+          </a:p>
+        </p:txBody>
+      </p:sp>
+    </p:spTree>
+  </p:cSld>
+  <p:clrMapOvr>
+    <a:masterClrMapping/>
+  </p:clrMapOvr>
+</p:sld>
+</file>
+
+<file path=ppt/slides/slide7.xml><?xml version="1.0" encoding="utf-8"?>
+<p:sld xmlns:a="http://schemas.openxmlformats.org/drawingml/2006/main" xmlns:r="http://schemas.openxmlformats.org/officeDocument/2006/relationships" xmlns:p="http://schemas.openxmlformats.org/presentationml/2006/main">
+  <p:cSld>
+    <p:spTree>
+      <p:nvGrpSpPr>
+        <p:cNvPr id="1" name=""/>
+        <p:cNvGrpSpPr/>
+        <p:nvPr/>
+      </p:nvGrpSpPr>
+      <p:grpSpPr>
+        <a:xfrm>
+          <a:off x="0" y="0"/>
+          <a:ext cx="0" cy="0"/>
+          <a:chOff x="0" y="0"/>
+          <a:chExt cx="0" cy="0"/>
+        </a:xfrm>
+      </p:grpSpPr>
+      <p:sp>
+        <p:nvSpPr>
+          <p:cNvPr id="2" name="Заголовок 1"/>
+          <p:cNvSpPr>
+            <a:spLocks noGrp="1"/>
+          </p:cNvSpPr>
+          <p:nvPr>
+            <p:ph type="title"/>
+          </p:nvPr>
+        </p:nvSpPr>
+        <p:spPr>
+          <a:xfrm>
+            <a:off x="143338" y="431800"/>
+            <a:ext cx="11905323" cy="620688"/>
+          </a:xfrm>
+        </p:spPr>
+        <p:txBody>
+          <a:bodyPr/>
+          <a:lstStyle/>
+          <a:p>
+            <a:r>
+              <a:rPr lang="ru-RU" b="1" dirty="0"/>
+              <a:t>Функции высших порядков</a:t>
+            </a:r>
+          </a:p>
+        </p:txBody>
+      </p:sp>
+      <p:sp>
+        <p:nvSpPr>
+          <p:cNvPr id="3" name="Содержимое 2"/>
+          <p:cNvSpPr>
+            <a:spLocks noGrp="1"/>
+          </p:cNvSpPr>
+          <p:nvPr>
+            <p:ph idx="1"/>
+          </p:nvPr>
+        </p:nvSpPr>
+        <p:spPr>
+          <a:xfrm>
+            <a:off x="143338" y="1425104"/>
+            <a:ext cx="11905323" cy="5544616"/>
+          </a:xfrm>
+        </p:spPr>
+        <p:txBody>
+          <a:bodyPr/>
+          <a:lstStyle/>
+          <a:p>
+            <a:r>
+              <a:rPr lang="ru-RU" sz="3600" dirty="0"/>
+              <a:t>При функциональном стиле программирования стандартной практикой является </a:t>
+            </a:r>
+            <a:r>
+              <a:rPr lang="ru-RU" sz="3600" b="1" i="1" dirty="0"/>
+              <a:t>динамическая генерация</a:t>
+            </a:r>
+            <a:r>
+              <a:rPr lang="ru-RU" sz="3600" dirty="0"/>
+              <a:t> функционального объекта в процессе исполнения кода, с его последующим вызовом в том же коде.</a:t>
+            </a:r>
+          </a:p>
+          <a:p>
+            <a:r>
+              <a:rPr lang="ru-RU" sz="3600" b="1" dirty="0"/>
+              <a:t>Замыкание</a:t>
+            </a:r>
+            <a:r>
+              <a:rPr lang="en-US" sz="3600" b="1" dirty="0"/>
+              <a:t> (closure)</a:t>
+            </a:r>
+            <a:endParaRPr lang="ru-RU" sz="3600" b="1" dirty="0"/>
+          </a:p>
+          <a:p>
+            <a:r>
+              <a:rPr lang="ru-RU" sz="3600" b="1" dirty="0"/>
+              <a:t>Частичное применение</a:t>
+            </a:r>
+            <a:r>
+              <a:rPr lang="en-US" sz="3600" b="1" dirty="0"/>
+              <a:t> (partial application)</a:t>
+            </a:r>
+          </a:p>
+          <a:p>
+            <a:r>
+              <a:rPr lang="ru-RU" sz="3600" b="1" dirty="0" err="1"/>
+              <a:t>Карринг</a:t>
+            </a:r>
+            <a:r>
+              <a:rPr lang="en-US" sz="3600" b="1" dirty="0"/>
+              <a:t> (carrying)</a:t>
+            </a:r>
+          </a:p>
+          <a:p>
+            <a:r>
+              <a:rPr lang="ru-RU" sz="3600" b="1" dirty="0"/>
+              <a:t>Функтор</a:t>
+            </a:r>
+          </a:p>
+          <a:p>
+            <a:endParaRPr lang="ru-RU" sz="3600" b="1" dirty="0"/>
+          </a:p>
+          <a:p>
+            <a:endParaRPr lang="ru-RU" sz="3600" b="1" dirty="0"/>
+          </a:p>
+          <a:p>
+            <a:endParaRPr lang="ru-RU" sz="3600" dirty="0"/>
+          </a:p>
+        </p:txBody>
+      </p:sp>
+      <p:sp>
+        <p:nvSpPr>
+          <p:cNvPr id="4" name="Номер слайда 3"/>
+          <p:cNvSpPr>
+            <a:spLocks noGrp="1"/>
+          </p:cNvSpPr>
+          <p:nvPr>
+            <p:ph type="sldNum" sz="quarter" idx="12"/>
+          </p:nvPr>
+        </p:nvSpPr>
+        <p:spPr/>
+        <p:txBody>
+          <a:bodyPr/>
+          <a:lstStyle/>
+          <a:p>
+            <a:fld id="{725C68B6-61C2-468F-89AB-4B9F7531AA68}" type="slidenum">
+              <a:rPr lang="ru-RU" smtClean="0"/>
+              <a:pPr/>
+              <a:t>7</a:t>
+            </a:fld>
+            <a:endParaRPr lang="ru-RU"/>
+          </a:p>
+        </p:txBody>
+      </p:sp>
+    </p:spTree>
+  </p:cSld>
+  <p:clrMapOvr>
+    <a:masterClrMapping/>
+  </p:clrMapOvr>
+</p:sld>
+</file>
+
+<file path=ppt/slides/slide8.xml><?xml version="1.0" encoding="utf-8"?>
+<p:sld xmlns:a="http://schemas.openxmlformats.org/drawingml/2006/main" xmlns:r="http://schemas.openxmlformats.org/officeDocument/2006/relationships" xmlns:p="http://schemas.openxmlformats.org/presentationml/2006/main">
+  <p:cSld>
+    <p:spTree>
+      <p:nvGrpSpPr>
+        <p:cNvPr id="1" name=""/>
+        <p:cNvGrpSpPr/>
+        <p:nvPr/>
+      </p:nvGrpSpPr>
+      <p:grpSpPr>
+        <a:xfrm>
+          <a:off x="0" y="0"/>
+          <a:ext cx="0" cy="0"/>
+          <a:chOff x="0" y="0"/>
+          <a:chExt cx="0" cy="0"/>
+        </a:xfrm>
+      </p:grpSpPr>
+      <p:sp>
+        <p:nvSpPr>
+          <p:cNvPr id="2" name="Заголовок 1"/>
+          <p:cNvSpPr>
+            <a:spLocks noGrp="1"/>
+          </p:cNvSpPr>
+          <p:nvPr>
+            <p:ph type="title"/>
+          </p:nvPr>
+        </p:nvSpPr>
+        <p:spPr/>
+        <p:txBody>
+          <a:bodyPr/>
+          <a:lstStyle/>
+          <a:p>
+            <a:r>
+              <a:rPr lang="ru-RU" sz="4800" b="1" dirty="0"/>
+              <a:t>Замыкания</a:t>
+            </a:r>
+            <a:r>
+              <a:rPr lang="en-US" sz="4800" b="1" dirty="0"/>
+              <a:t> (closure)</a:t>
+            </a:r>
+            <a:endParaRPr lang="ru-RU" sz="4800" b="1" dirty="0"/>
+          </a:p>
+        </p:txBody>
+      </p:sp>
+      <p:sp>
+        <p:nvSpPr>
+          <p:cNvPr id="3" name="Содержимое 2"/>
+          <p:cNvSpPr>
+            <a:spLocks noGrp="1"/>
+          </p:cNvSpPr>
+          <p:nvPr>
+            <p:ph idx="1"/>
+          </p:nvPr>
+        </p:nvSpPr>
+        <p:spPr>
+          <a:xfrm>
+            <a:off x="0" y="993944"/>
+            <a:ext cx="10273141" cy="5544616"/>
+          </a:xfrm>
+        </p:spPr>
+        <p:txBody>
+          <a:bodyPr>
+            <a:normAutofit fontScale="92500" lnSpcReduction="10000"/>
+          </a:bodyPr>
+          <a:lstStyle/>
+          <a:p>
+            <a:pPr marL="360000" indent="-360000"/>
+            <a:r>
+              <a:rPr lang="ru-RU" b="1" dirty="0"/>
+              <a:t>Замыкание</a:t>
+            </a:r>
+            <a:r>
+              <a:rPr lang="ru-RU" dirty="0"/>
+              <a:t> – это функция, которая динамически генерируется другой функцией, и они обе могут изменяться и запоминать значения переменных, которые были созданы вне функции.</a:t>
+            </a:r>
+          </a:p>
+          <a:p>
+            <a:pPr marL="360000" indent="-360000"/>
+            <a:r>
+              <a:rPr lang="ru-RU" dirty="0"/>
+              <a:t>Дэвид </a:t>
+            </a:r>
+            <a:r>
+              <a:rPr lang="ru-RU" dirty="0" err="1"/>
+              <a:t>Мертц</a:t>
+            </a:r>
+            <a:r>
+              <a:rPr lang="ru-RU" dirty="0"/>
+              <a:t> приводит следующее определение замыкания: "</a:t>
+            </a:r>
+            <a:r>
+              <a:rPr lang="ru-RU" b="1" i="1" dirty="0"/>
+              <a:t>Замыкание</a:t>
+            </a:r>
+            <a:r>
+              <a:rPr lang="ru-RU" dirty="0"/>
+              <a:t> – это процедура вместе с привязанной к ней совокупностью данных" (в противовес объектам в объектном программировании, как: "данные вместе с привязанным к ним совокупностью процедур").</a:t>
+            </a:r>
+          </a:p>
+          <a:p>
+            <a:pPr marL="360000" indent="-360000"/>
+            <a:r>
+              <a:rPr lang="ru-RU" dirty="0"/>
+              <a:t>Замыкание – это более общий случай декоратора.</a:t>
+            </a:r>
+          </a:p>
+        </p:txBody>
+      </p:sp>
+      <p:sp>
+        <p:nvSpPr>
+          <p:cNvPr id="4" name="Номер слайда 3"/>
+          <p:cNvSpPr>
+            <a:spLocks noGrp="1"/>
+          </p:cNvSpPr>
+          <p:nvPr>
+            <p:ph type="sldNum" sz="quarter" idx="12"/>
+          </p:nvPr>
+        </p:nvSpPr>
+        <p:spPr/>
+        <p:txBody>
+          <a:bodyPr/>
+          <a:lstStyle/>
+          <a:p>
+            <a:fld id="{725C68B6-61C2-468F-89AB-4B9F7531AA68}" type="slidenum">
+              <a:rPr lang="ru-RU" smtClean="0"/>
+              <a:pPr/>
+              <a:t>8</a:t>
+            </a:fld>
+            <a:endParaRPr lang="ru-RU"/>
+          </a:p>
+        </p:txBody>
+      </p:sp>
+    </p:spTree>
+  </p:cSld>
+  <p:clrMapOvr>
+    <a:masterClrMapping/>
+  </p:clrMapOvr>
+</p:sld>
+</file>
+
+<file path=ppt/slides/slide9.xml><?xml version="1.0" encoding="utf-8"?>
+<p:sld xmlns:a="http://schemas.openxmlformats.org/drawingml/2006/main" xmlns:r="http://schemas.openxmlformats.org/officeDocument/2006/relationships" xmlns:p="http://schemas.openxmlformats.org/presentationml/2006/main">
+  <p:cSld>
+    <p:spTree>
+      <p:nvGrpSpPr>
+        <p:cNvPr id="1" name=""/>
+        <p:cNvGrpSpPr/>
+        <p:nvPr/>
+      </p:nvGrpSpPr>
+      <p:grpSpPr>
+        <a:xfrm>
+          <a:off x="0" y="0"/>
+          <a:ext cx="0" cy="0"/>
+          <a:chOff x="0" y="0"/>
+          <a:chExt cx="0" cy="0"/>
+        </a:xfrm>
+      </p:grpSpPr>
+      <p:sp>
+        <p:nvSpPr>
+          <p:cNvPr id="2" name="Заголовок 1"/>
+          <p:cNvSpPr>
+            <a:spLocks noGrp="1"/>
+          </p:cNvSpPr>
+          <p:nvPr>
+            <p:ph type="title"/>
+          </p:nvPr>
+        </p:nvSpPr>
+        <p:spPr>
+          <a:xfrm>
+            <a:off x="143338" y="266700"/>
+            <a:ext cx="11905323" cy="620688"/>
+          </a:xfrm>
+        </p:spPr>
+        <p:txBody>
+          <a:bodyPr/>
+          <a:lstStyle/>
+          <a:p>
+            <a:r>
+              <a:rPr lang="ru-RU" sz="4800" b="1" dirty="0"/>
+              <a:t>Смысл замыкания</a:t>
+            </a:r>
+          </a:p>
+        </p:txBody>
+      </p:sp>
+      <p:sp>
+        <p:nvSpPr>
+          <p:cNvPr id="3" name="Содержимое 2"/>
+          <p:cNvSpPr>
+            <a:spLocks noGrp="1"/>
+          </p:cNvSpPr>
+          <p:nvPr>
+            <p:ph idx="1"/>
+          </p:nvPr>
+        </p:nvSpPr>
+        <p:spPr>
+          <a:xfrm>
+            <a:off x="0" y="1176344"/>
+            <a:ext cx="11905323" cy="5544616"/>
+          </a:xfrm>
+        </p:spPr>
+        <p:txBody>
+          <a:bodyPr>
+            <a:normAutofit/>
+          </a:bodyPr>
+          <a:lstStyle/>
+          <a:p>
+            <a:r>
+              <a:rPr lang="ru-RU" dirty="0"/>
+              <a:t>Применение замыкания позволяет</a:t>
+            </a:r>
+            <a:r>
+              <a:rPr lang="en-US" dirty="0"/>
+              <a:t> </a:t>
+            </a:r>
+            <a:endParaRPr lang="ru-RU" dirty="0"/>
+          </a:p>
+          <a:p>
+            <a:pPr lvl="1"/>
+            <a:r>
+              <a:rPr lang="ru-RU" dirty="0"/>
+              <a:t>устранить жестко кодированные константы; </a:t>
+            </a:r>
+          </a:p>
+          <a:p>
+            <a:pPr lvl="1"/>
+            <a:r>
+              <a:rPr lang="ru-RU" dirty="0"/>
+              <a:t>убрать глобальные переменные из кода;</a:t>
+            </a:r>
+          </a:p>
+          <a:p>
+            <a:pPr lvl="1"/>
+            <a:r>
+              <a:rPr lang="ru-RU" dirty="0"/>
+              <a:t>увеличить производительность (В </a:t>
+            </a:r>
+            <a:r>
+              <a:rPr lang="ru-RU" dirty="0" err="1"/>
+              <a:t>Python</a:t>
+            </a:r>
+            <a:r>
+              <a:rPr lang="ru-RU" dirty="0"/>
+              <a:t> загрузка переменных в SCOPE (локальную область) сравнительно долгий процесс).</a:t>
+            </a:r>
+          </a:p>
+          <a:p>
+            <a:r>
+              <a:rPr lang="ru-RU" dirty="0"/>
+              <a:t>Замкнутые переменные доступны только для чтения. Чтобы обойти это ограничение, нужно замыкать переменные в изменяемые переменные, например, в список. Сами замкнутые переменные нельзя будет перезаписывать, а вот содержимое контейнера возможно.</a:t>
+            </a:r>
+          </a:p>
+          <a:p>
+            <a:endParaRPr lang="ru-RU" dirty="0"/>
+          </a:p>
+        </p:txBody>
+      </p:sp>
+      <p:sp>
+        <p:nvSpPr>
+          <p:cNvPr id="4" name="Номер слайда 3"/>
+          <p:cNvSpPr>
+            <a:spLocks noGrp="1"/>
+          </p:cNvSpPr>
+          <p:nvPr>
+            <p:ph type="sldNum" sz="quarter" idx="12"/>
+          </p:nvPr>
+        </p:nvSpPr>
+        <p:spPr/>
+        <p:txBody>
+          <a:bodyPr/>
+          <a:lstStyle/>
+          <a:p>
+            <a:fld id="{725C68B6-61C2-468F-89AB-4B9F7531AA68}" type="slidenum">
+              <a:rPr lang="ru-RU" smtClean="0"/>
+              <a:pPr/>
+              <a:t>9</a:t>
+            </a:fld>
+            <a:endParaRPr lang="ru-RU"/>
+          </a:p>
+        </p:txBody>
+      </p:sp>
+    </p:spTree>
   </p:cSld>
   <p:clrMapOvr>
     <a:masterClrMapping/>
